--- a/PDFguiQuickStart.pptx
+++ b/PDFguiQuickStart.pptx
@@ -5,40 +5,41 @@
     <p:sldMasterId id="2147483648" r:id="rId1"/>
   </p:sldMasterIdLst>
   <p:notesMasterIdLst>
-    <p:notesMasterId r:id="rId33"/>
+    <p:notesMasterId r:id="rId34"/>
   </p:notesMasterIdLst>
   <p:sldIdLst>
     <p:sldId id="458" r:id="rId2"/>
     <p:sldId id="490" r:id="rId3"/>
-    <p:sldId id="492" r:id="rId4"/>
-    <p:sldId id="493" r:id="rId5"/>
-    <p:sldId id="491" r:id="rId6"/>
-    <p:sldId id="489" r:id="rId7"/>
-    <p:sldId id="494" r:id="rId8"/>
-    <p:sldId id="464" r:id="rId9"/>
-    <p:sldId id="472" r:id="rId10"/>
-    <p:sldId id="466" r:id="rId11"/>
-    <p:sldId id="467" r:id="rId12"/>
-    <p:sldId id="468" r:id="rId13"/>
-    <p:sldId id="469" r:id="rId14"/>
-    <p:sldId id="470" r:id="rId15"/>
-    <p:sldId id="471" r:id="rId16"/>
-    <p:sldId id="473" r:id="rId17"/>
-    <p:sldId id="474" r:id="rId18"/>
-    <p:sldId id="475" r:id="rId19"/>
-    <p:sldId id="476" r:id="rId20"/>
-    <p:sldId id="486" r:id="rId21"/>
-    <p:sldId id="477" r:id="rId22"/>
-    <p:sldId id="478" r:id="rId23"/>
-    <p:sldId id="479" r:id="rId24"/>
-    <p:sldId id="480" r:id="rId25"/>
-    <p:sldId id="481" r:id="rId26"/>
-    <p:sldId id="482" r:id="rId27"/>
-    <p:sldId id="483" r:id="rId28"/>
-    <p:sldId id="484" r:id="rId29"/>
-    <p:sldId id="485" r:id="rId30"/>
-    <p:sldId id="487" r:id="rId31"/>
-    <p:sldId id="488" r:id="rId32"/>
+    <p:sldId id="495" r:id="rId4"/>
+    <p:sldId id="492" r:id="rId5"/>
+    <p:sldId id="493" r:id="rId6"/>
+    <p:sldId id="491" r:id="rId7"/>
+    <p:sldId id="489" r:id="rId8"/>
+    <p:sldId id="494" r:id="rId9"/>
+    <p:sldId id="464" r:id="rId10"/>
+    <p:sldId id="472" r:id="rId11"/>
+    <p:sldId id="466" r:id="rId12"/>
+    <p:sldId id="467" r:id="rId13"/>
+    <p:sldId id="468" r:id="rId14"/>
+    <p:sldId id="469" r:id="rId15"/>
+    <p:sldId id="470" r:id="rId16"/>
+    <p:sldId id="471" r:id="rId17"/>
+    <p:sldId id="473" r:id="rId18"/>
+    <p:sldId id="474" r:id="rId19"/>
+    <p:sldId id="475" r:id="rId20"/>
+    <p:sldId id="476" r:id="rId21"/>
+    <p:sldId id="486" r:id="rId22"/>
+    <p:sldId id="477" r:id="rId23"/>
+    <p:sldId id="478" r:id="rId24"/>
+    <p:sldId id="479" r:id="rId25"/>
+    <p:sldId id="480" r:id="rId26"/>
+    <p:sldId id="481" r:id="rId27"/>
+    <p:sldId id="482" r:id="rId28"/>
+    <p:sldId id="483" r:id="rId29"/>
+    <p:sldId id="484" r:id="rId30"/>
+    <p:sldId id="485" r:id="rId31"/>
+    <p:sldId id="487" r:id="rId32"/>
+    <p:sldId id="488" r:id="rId33"/>
   </p:sldIdLst>
   <p:sldSz cx="9144000" cy="6858000" type="screen4x3"/>
   <p:notesSz cx="6858000" cy="9144000"/>
@@ -3576,33 +3577,9 @@
           </a:prstGeom>
         </p:spPr>
       </p:pic>
-      <p:pic>
-        <p:nvPicPr>
-          <p:cNvPr id="4" name="Picture 3" descr="fig2-03.png"/>
-          <p:cNvPicPr>
-            <a:picLocks noChangeAspect="1"/>
-          </p:cNvPicPr>
-          <p:nvPr/>
-        </p:nvPicPr>
-        <p:blipFill>
-          <a:blip r:embed="rId3" cstate="print"/>
-          <a:stretch>
-            <a:fillRect/>
-          </a:stretch>
-        </p:blipFill>
-        <p:spPr>
-          <a:xfrm>
-            <a:off x="1531620" y="1135380"/>
-            <a:ext cx="6080760" cy="5570220"/>
-          </a:xfrm>
-          <a:prstGeom prst="rect">
-            <a:avLst/>
-          </a:prstGeom>
-        </p:spPr>
-      </p:pic>
       <p:sp>
         <p:nvSpPr>
-          <p:cNvPr id="5" name="Rectangle 3"/>
+          <p:cNvPr id="4" name="Rectangle 3"/>
           <p:cNvSpPr txBox="1">
             <a:spLocks noChangeArrowheads="1"/>
           </p:cNvSpPr>
@@ -3671,7 +3648,33 @@
                 <a:ea typeface="宋体" pitchFamily="2" charset="-122"/>
                 <a:cs typeface="Times New Roman" pitchFamily="18" charset="0"/>
               </a:rPr>
-              <a:t>Adjusting data set related configuration.</a:t>
+              <a:t>Appearance of a </a:t>
+            </a:r>
+            <a:r>
+              <a:rPr lang="en-US" sz="2000" kern="0" dirty="0" err="1" smtClean="0">
+                <a:solidFill>
+                  <a:schemeClr val="tx2">
+                    <a:lumMod val="50000"/>
+                  </a:schemeClr>
+                </a:solidFill>
+                <a:latin typeface="Times New Roman" pitchFamily="18" charset="0"/>
+                <a:ea typeface="宋体" pitchFamily="2" charset="-122"/>
+                <a:cs typeface="Times New Roman" pitchFamily="18" charset="0"/>
+              </a:rPr>
+              <a:t>PDFgui</a:t>
+            </a:r>
+            <a:r>
+              <a:rPr lang="en-US" sz="2000" kern="0" dirty="0" smtClean="0">
+                <a:solidFill>
+                  <a:schemeClr val="tx2">
+                    <a:lumMod val="50000"/>
+                  </a:schemeClr>
+                </a:solidFill>
+                <a:latin typeface="Times New Roman" pitchFamily="18" charset="0"/>
+                <a:ea typeface="宋体" pitchFamily="2" charset="-122"/>
+                <a:cs typeface="Times New Roman" pitchFamily="18" charset="0"/>
+              </a:rPr>
+              <a:t> window after a PDF dataset is loaded.</a:t>
             </a:r>
             <a:endParaRPr kumimoji="0" lang="en-GB" sz="2000" b="0" i="0" u="none" strike="noStrike" kern="0" cap="none" spc="0" normalizeH="0" baseline="0" noProof="0" dirty="0" smtClean="0">
               <a:ln>
@@ -3689,190 +3692,6 @@
               <a:ea typeface="宋体" pitchFamily="2" charset="-122"/>
               <a:cs typeface="Times New Roman" pitchFamily="18" charset="0"/>
             </a:endParaRPr>
-          </a:p>
-        </p:txBody>
-      </p:sp>
-      <p:sp>
-        <p:nvSpPr>
-          <p:cNvPr id="9" name="Oval 8"/>
-          <p:cNvSpPr/>
-          <p:nvPr/>
-        </p:nvSpPr>
-        <p:spPr>
-          <a:xfrm>
-            <a:off x="3886200" y="3294888"/>
-            <a:ext cx="533400" cy="304800"/>
-          </a:xfrm>
-          <a:prstGeom prst="ellipse">
-            <a:avLst/>
-          </a:prstGeom>
-          <a:noFill/>
-          <a:ln>
-            <a:solidFill>
-              <a:srgbClr val="FF0000"/>
-            </a:solidFill>
-          </a:ln>
-        </p:spPr>
-        <p:style>
-          <a:lnRef idx="2">
-            <a:schemeClr val="accent1">
-              <a:shade val="50000"/>
-            </a:schemeClr>
-          </a:lnRef>
-          <a:fillRef idx="1">
-            <a:schemeClr val="accent1"/>
-          </a:fillRef>
-          <a:effectRef idx="0">
-            <a:schemeClr val="accent1"/>
-          </a:effectRef>
-          <a:fontRef idx="minor">
-            <a:schemeClr val="lt1"/>
-          </a:fontRef>
-        </p:style>
-        <p:txBody>
-          <a:bodyPr rtlCol="0" anchor="ctr"/>
-          <a:lstStyle/>
-          <a:p>
-            <a:pPr algn="ctr"/>
-            <a:endParaRPr lang="en-US"/>
-          </a:p>
-        </p:txBody>
-      </p:sp>
-      <p:sp>
-        <p:nvSpPr>
-          <p:cNvPr id="10" name="Oval 9"/>
-          <p:cNvSpPr/>
-          <p:nvPr/>
-        </p:nvSpPr>
-        <p:spPr>
-          <a:xfrm>
-            <a:off x="3867912" y="3791712"/>
-            <a:ext cx="533400" cy="304800"/>
-          </a:xfrm>
-          <a:prstGeom prst="ellipse">
-            <a:avLst/>
-          </a:prstGeom>
-          <a:noFill/>
-          <a:ln>
-            <a:solidFill>
-              <a:srgbClr val="FF0000"/>
-            </a:solidFill>
-          </a:ln>
-        </p:spPr>
-        <p:style>
-          <a:lnRef idx="2">
-            <a:schemeClr val="accent1">
-              <a:shade val="50000"/>
-            </a:schemeClr>
-          </a:lnRef>
-          <a:fillRef idx="1">
-            <a:schemeClr val="accent1"/>
-          </a:fillRef>
-          <a:effectRef idx="0">
-            <a:schemeClr val="accent1"/>
-          </a:effectRef>
-          <a:fontRef idx="minor">
-            <a:schemeClr val="lt1"/>
-          </a:fontRef>
-        </p:style>
-        <p:txBody>
-          <a:bodyPr rtlCol="0" anchor="ctr"/>
-          <a:lstStyle/>
-          <a:p>
-            <a:pPr algn="ctr"/>
-            <a:endParaRPr lang="en-US"/>
-          </a:p>
-        </p:txBody>
-      </p:sp>
-      <p:sp>
-        <p:nvSpPr>
-          <p:cNvPr id="11" name="Oval 10"/>
-          <p:cNvSpPr/>
-          <p:nvPr/>
-        </p:nvSpPr>
-        <p:spPr>
-          <a:xfrm>
-            <a:off x="5151120" y="3563112"/>
-            <a:ext cx="533400" cy="304800"/>
-          </a:xfrm>
-          <a:prstGeom prst="ellipse">
-            <a:avLst/>
-          </a:prstGeom>
-          <a:noFill/>
-          <a:ln>
-            <a:solidFill>
-              <a:srgbClr val="FF0000"/>
-            </a:solidFill>
-          </a:ln>
-        </p:spPr>
-        <p:style>
-          <a:lnRef idx="2">
-            <a:schemeClr val="accent1">
-              <a:shade val="50000"/>
-            </a:schemeClr>
-          </a:lnRef>
-          <a:fillRef idx="1">
-            <a:schemeClr val="accent1"/>
-          </a:fillRef>
-          <a:effectRef idx="0">
-            <a:schemeClr val="accent1"/>
-          </a:effectRef>
-          <a:fontRef idx="minor">
-            <a:schemeClr val="lt1"/>
-          </a:fontRef>
-        </p:style>
-        <p:txBody>
-          <a:bodyPr rtlCol="0" anchor="ctr"/>
-          <a:lstStyle/>
-          <a:p>
-            <a:pPr algn="ctr"/>
-            <a:endParaRPr lang="en-US"/>
-          </a:p>
-        </p:txBody>
-      </p:sp>
-      <p:sp>
-        <p:nvSpPr>
-          <p:cNvPr id="12" name="Oval 11"/>
-          <p:cNvSpPr/>
-          <p:nvPr/>
-        </p:nvSpPr>
-        <p:spPr>
-          <a:xfrm>
-            <a:off x="3124200" y="1600200"/>
-            <a:ext cx="533400" cy="304800"/>
-          </a:xfrm>
-          <a:prstGeom prst="ellipse">
-            <a:avLst/>
-          </a:prstGeom>
-          <a:noFill/>
-          <a:ln>
-            <a:solidFill>
-              <a:srgbClr val="FF0000"/>
-            </a:solidFill>
-          </a:ln>
-        </p:spPr>
-        <p:style>
-          <a:lnRef idx="2">
-            <a:schemeClr val="accent1">
-              <a:shade val="50000"/>
-            </a:schemeClr>
-          </a:lnRef>
-          <a:fillRef idx="1">
-            <a:schemeClr val="accent1"/>
-          </a:fillRef>
-          <a:effectRef idx="0">
-            <a:schemeClr val="accent1"/>
-          </a:effectRef>
-          <a:fontRef idx="minor">
-            <a:schemeClr val="lt1"/>
-          </a:fontRef>
-        </p:style>
-        <p:txBody>
-          <a:bodyPr rtlCol="0" anchor="ctr"/>
-          <a:lstStyle/>
-          <a:p>
-            <a:pPr algn="ctr"/>
-            <a:endParaRPr lang="en-US"/>
           </a:p>
         </p:txBody>
       </p:sp>
@@ -4011,33 +3830,9 @@
           </a:prstGeom>
         </p:spPr>
       </p:pic>
-      <p:pic>
-        <p:nvPicPr>
-          <p:cNvPr id="5" name="Picture 4" descr="fig2-04.png"/>
-          <p:cNvPicPr>
-            <a:picLocks noChangeAspect="1"/>
-          </p:cNvPicPr>
-          <p:nvPr/>
-        </p:nvPicPr>
-        <p:blipFill>
-          <a:blip r:embed="rId4" cstate="print"/>
-          <a:stretch>
-            <a:fillRect/>
-          </a:stretch>
-        </p:blipFill>
-        <p:spPr>
-          <a:xfrm>
-            <a:off x="1531620" y="1135380"/>
-            <a:ext cx="6080760" cy="5570220"/>
-          </a:xfrm>
-          <a:prstGeom prst="rect">
-            <a:avLst/>
-          </a:prstGeom>
-        </p:spPr>
-      </p:pic>
       <p:sp>
         <p:nvSpPr>
-          <p:cNvPr id="6" name="Rectangle 3"/>
+          <p:cNvPr id="5" name="Rectangle 3"/>
           <p:cNvSpPr txBox="1">
             <a:spLocks noChangeArrowheads="1"/>
           </p:cNvSpPr>
@@ -4106,22 +3901,9 @@
                 <a:ea typeface="宋体" pitchFamily="2" charset="-122"/>
                 <a:cs typeface="Times New Roman" pitchFamily="18" charset="0"/>
               </a:rPr>
-              <a:t>Setting up the refinement parameters and constraints: </a:t>
-            </a:r>
-            <a:r>
-              <a:rPr lang="en-US" sz="2000" b="1" kern="0" dirty="0" smtClean="0">
-                <a:solidFill>
-                  <a:schemeClr val="tx2">
-                    <a:lumMod val="50000"/>
-                  </a:schemeClr>
-                </a:solidFill>
-                <a:latin typeface="Times New Roman" pitchFamily="18" charset="0"/>
-                <a:ea typeface="宋体" pitchFamily="2" charset="-122"/>
-                <a:cs typeface="Times New Roman" pitchFamily="18" charset="0"/>
-              </a:rPr>
-              <a:t>experimental parameters</a:t>
-            </a:r>
-            <a:endParaRPr kumimoji="0" lang="en-GB" sz="2000" b="1" i="0" u="none" strike="noStrike" kern="0" cap="none" spc="0" normalizeH="0" baseline="0" noProof="0" dirty="0" smtClean="0">
+              <a:t>Adjusting data set related configuration.</a:t>
+            </a:r>
+            <a:endParaRPr kumimoji="0" lang="en-GB" sz="2000" b="0" i="0" u="none" strike="noStrike" kern="0" cap="none" spc="0" normalizeH="0" baseline="0" noProof="0" dirty="0" smtClean="0">
               <a:ln>
                 <a:noFill/>
               </a:ln>
@@ -4148,8 +3930,8 @@
         </p:nvSpPr>
         <p:spPr>
           <a:xfrm>
-            <a:off x="3837432" y="2258568"/>
-            <a:ext cx="533400" cy="210312"/>
+            <a:off x="3886200" y="3294888"/>
+            <a:ext cx="533400" cy="304800"/>
           </a:xfrm>
           <a:prstGeom prst="ellipse">
             <a:avLst/>
@@ -4188,14 +3970,14 @@
       </p:sp>
       <p:sp>
         <p:nvSpPr>
-          <p:cNvPr id="11" name="Oval 10"/>
+          <p:cNvPr id="10" name="Oval 9"/>
           <p:cNvSpPr/>
           <p:nvPr/>
         </p:nvSpPr>
         <p:spPr>
           <a:xfrm>
-            <a:off x="3733800" y="1600200"/>
-            <a:ext cx="609600" cy="304800"/>
+            <a:off x="3867912" y="3791712"/>
+            <a:ext cx="533400" cy="304800"/>
           </a:xfrm>
           <a:prstGeom prst="ellipse">
             <a:avLst/>
@@ -4234,14 +4016,60 @@
       </p:sp>
       <p:sp>
         <p:nvSpPr>
+          <p:cNvPr id="11" name="Oval 10"/>
+          <p:cNvSpPr/>
+          <p:nvPr/>
+        </p:nvSpPr>
+        <p:spPr>
+          <a:xfrm>
+            <a:off x="5151120" y="3563112"/>
+            <a:ext cx="533400" cy="304800"/>
+          </a:xfrm>
+          <a:prstGeom prst="ellipse">
+            <a:avLst/>
+          </a:prstGeom>
+          <a:noFill/>
+          <a:ln>
+            <a:solidFill>
+              <a:srgbClr val="FF0000"/>
+            </a:solidFill>
+          </a:ln>
+        </p:spPr>
+        <p:style>
+          <a:lnRef idx="2">
+            <a:schemeClr val="accent1">
+              <a:shade val="50000"/>
+            </a:schemeClr>
+          </a:lnRef>
+          <a:fillRef idx="1">
+            <a:schemeClr val="accent1"/>
+          </a:fillRef>
+          <a:effectRef idx="0">
+            <a:schemeClr val="accent1"/>
+          </a:effectRef>
+          <a:fontRef idx="minor">
+            <a:schemeClr val="lt1"/>
+          </a:fontRef>
+        </p:style>
+        <p:txBody>
+          <a:bodyPr rtlCol="0" anchor="ctr"/>
+          <a:lstStyle/>
+          <a:p>
+            <a:pPr algn="ctr"/>
+            <a:endParaRPr lang="en-US"/>
+          </a:p>
+        </p:txBody>
+      </p:sp>
+      <p:sp>
+        <p:nvSpPr>
           <p:cNvPr id="12" name="Oval 11"/>
           <p:cNvSpPr/>
           <p:nvPr/>
         </p:nvSpPr>
         <p:spPr>
           <a:xfrm>
-            <a:off x="3855720" y="2502408"/>
-            <a:ext cx="533400" cy="210312"/>
+            <a:off x="3124200" y="1600200"/>
+            <a:ext cx="533400" cy="304800"/>
           </a:xfrm>
           <a:prstGeom prst="ellipse">
             <a:avLst/>
@@ -4437,33 +4265,9 @@
           </a:prstGeom>
         </p:spPr>
       </p:pic>
-      <p:pic>
-        <p:nvPicPr>
-          <p:cNvPr id="6" name="Picture 5" descr="fig2-05.png"/>
-          <p:cNvPicPr>
-            <a:picLocks noChangeAspect="1"/>
-          </p:cNvPicPr>
-          <p:nvPr/>
-        </p:nvPicPr>
-        <p:blipFill>
-          <a:blip r:embed="rId5" cstate="print"/>
-          <a:stretch>
-            <a:fillRect/>
-          </a:stretch>
-        </p:blipFill>
-        <p:spPr>
-          <a:xfrm>
-            <a:off x="1531620" y="1135380"/>
-            <a:ext cx="6080760" cy="5570220"/>
-          </a:xfrm>
-          <a:prstGeom prst="rect">
-            <a:avLst/>
-          </a:prstGeom>
-        </p:spPr>
-      </p:pic>
       <p:sp>
         <p:nvSpPr>
-          <p:cNvPr id="9" name="Rectangle 3"/>
+          <p:cNvPr id="6" name="Rectangle 3"/>
           <p:cNvSpPr txBox="1">
             <a:spLocks noChangeArrowheads="1"/>
           </p:cNvSpPr>
@@ -4545,7 +4349,7 @@
                 <a:ea typeface="宋体" pitchFamily="2" charset="-122"/>
                 <a:cs typeface="Times New Roman" pitchFamily="18" charset="0"/>
               </a:rPr>
-              <a:t>model structure</a:t>
+              <a:t>experimental parameters</a:t>
             </a:r>
             <a:endParaRPr kumimoji="0" lang="en-GB" sz="2000" b="1" i="0" u="none" strike="noStrike" kern="0" cap="none" spc="0" normalizeH="0" baseline="0" noProof="0" dirty="0" smtClean="0">
               <a:ln>
@@ -4568,14 +4372,14 @@
       </p:sp>
       <p:sp>
         <p:nvSpPr>
-          <p:cNvPr id="10" name="Oval 9"/>
+          <p:cNvPr id="9" name="Oval 8"/>
           <p:cNvSpPr/>
           <p:nvPr/>
         </p:nvSpPr>
         <p:spPr>
           <a:xfrm>
-            <a:off x="3352800" y="2304288"/>
-            <a:ext cx="2819400" cy="210312"/>
+            <a:off x="3837432" y="2258568"/>
+            <a:ext cx="533400" cy="210312"/>
           </a:xfrm>
           <a:prstGeom prst="ellipse">
             <a:avLst/>
@@ -4666,8 +4470,8 @@
         </p:nvSpPr>
         <p:spPr>
           <a:xfrm>
-            <a:off x="3962400" y="3980688"/>
-            <a:ext cx="1143000" cy="914400"/>
+            <a:off x="3855720" y="2502408"/>
+            <a:ext cx="533400" cy="210312"/>
           </a:xfrm>
           <a:prstGeom prst="ellipse">
             <a:avLst/>
@@ -4887,33 +4691,9 @@
           </a:prstGeom>
         </p:spPr>
       </p:pic>
-      <p:pic>
-        <p:nvPicPr>
-          <p:cNvPr id="9" name="Picture 8" descr="fig2-06.png"/>
-          <p:cNvPicPr>
-            <a:picLocks noChangeAspect="1"/>
-          </p:cNvPicPr>
-          <p:nvPr/>
-        </p:nvPicPr>
-        <p:blipFill>
-          <a:blip r:embed="rId6" cstate="print"/>
-          <a:stretch>
-            <a:fillRect/>
-          </a:stretch>
-        </p:blipFill>
-        <p:spPr>
-          <a:xfrm>
-            <a:off x="1524000" y="1143000"/>
-            <a:ext cx="6080760" cy="5570220"/>
-          </a:xfrm>
-          <a:prstGeom prst="rect">
-            <a:avLst/>
-          </a:prstGeom>
-        </p:spPr>
-      </p:pic>
       <p:sp>
         <p:nvSpPr>
-          <p:cNvPr id="10" name="Rectangle 3"/>
+          <p:cNvPr id="9" name="Rectangle 3"/>
           <p:cNvSpPr txBox="1">
             <a:spLocks noChangeArrowheads="1"/>
           </p:cNvSpPr>
@@ -4982,7 +4762,20 @@
                 <a:ea typeface="宋体" pitchFamily="2" charset="-122"/>
                 <a:cs typeface="Times New Roman" pitchFamily="18" charset="0"/>
               </a:rPr>
-              <a:t>Reviewing the fit parameters and conditions</a:t>
+              <a:t>Setting up the refinement parameters and constraints: </a:t>
+            </a:r>
+            <a:r>
+              <a:rPr lang="en-US" sz="2000" b="1" kern="0" dirty="0" smtClean="0">
+                <a:solidFill>
+                  <a:schemeClr val="tx2">
+                    <a:lumMod val="50000"/>
+                  </a:schemeClr>
+                </a:solidFill>
+                <a:latin typeface="Times New Roman" pitchFamily="18" charset="0"/>
+                <a:ea typeface="宋体" pitchFamily="2" charset="-122"/>
+                <a:cs typeface="Times New Roman" pitchFamily="18" charset="0"/>
+              </a:rPr>
+              <a:t>model structure</a:t>
             </a:r>
             <a:endParaRPr kumimoji="0" lang="en-GB" sz="2000" b="1" i="0" u="none" strike="noStrike" kern="0" cap="none" spc="0" normalizeH="0" baseline="0" noProof="0" dirty="0" smtClean="0">
               <a:ln>
@@ -5005,14 +4798,14 @@
       </p:sp>
       <p:sp>
         <p:nvSpPr>
-          <p:cNvPr id="11" name="Oval 10"/>
+          <p:cNvPr id="10" name="Oval 9"/>
           <p:cNvSpPr/>
           <p:nvPr/>
         </p:nvSpPr>
         <p:spPr>
           <a:xfrm>
-            <a:off x="3105912" y="1600200"/>
-            <a:ext cx="685800" cy="304800"/>
+            <a:off x="3352800" y="2304288"/>
+            <a:ext cx="2819400" cy="210312"/>
           </a:xfrm>
           <a:prstGeom prst="ellipse">
             <a:avLst/>
@@ -5051,14 +4844,14 @@
       </p:sp>
       <p:sp>
         <p:nvSpPr>
-          <p:cNvPr id="12" name="Oval 11"/>
+          <p:cNvPr id="11" name="Oval 10"/>
           <p:cNvSpPr/>
           <p:nvPr/>
         </p:nvSpPr>
         <p:spPr>
           <a:xfrm>
-            <a:off x="2895600" y="1981200"/>
-            <a:ext cx="1219200" cy="990600"/>
+            <a:off x="3733800" y="1600200"/>
+            <a:ext cx="609600" cy="304800"/>
           </a:xfrm>
           <a:prstGeom prst="ellipse">
             <a:avLst/>
@@ -5097,14 +4890,14 @@
       </p:sp>
       <p:sp>
         <p:nvSpPr>
-          <p:cNvPr id="13" name="Oval 12"/>
+          <p:cNvPr id="12" name="Oval 11"/>
           <p:cNvSpPr/>
           <p:nvPr/>
         </p:nvSpPr>
         <p:spPr>
           <a:xfrm>
-            <a:off x="1219200" y="3810000"/>
-            <a:ext cx="1219200" cy="990600"/>
+            <a:off x="3962400" y="3980688"/>
+            <a:ext cx="1143000" cy="914400"/>
           </a:xfrm>
           <a:prstGeom prst="ellipse">
             <a:avLst/>
@@ -5141,15 +4934,314 @@
           </a:p>
         </p:txBody>
       </p:sp>
+    </p:spTree>
+  </p:cSld>
+  <p:clrMapOvr>
+    <a:masterClrMapping/>
+  </p:clrMapOvr>
+  <p:timing>
+    <p:tnLst>
+      <p:par>
+        <p:cTn id="1" dur="indefinite" restart="never" nodeType="tmRoot"/>
+      </p:par>
+    </p:tnLst>
+  </p:timing>
+</p:sld>
+</file>
+
+<file path=ppt/slides/slide14.xml><?xml version="1.0" encoding="utf-8"?>
+<p:sld xmlns:a="http://schemas.openxmlformats.org/drawingml/2006/main" xmlns:r="http://schemas.openxmlformats.org/officeDocument/2006/relationships" xmlns:p="http://schemas.openxmlformats.org/presentationml/2006/main">
+  <p:cSld>
+    <p:spTree>
+      <p:nvGrpSpPr>
+        <p:cNvPr id="1" name=""/>
+        <p:cNvGrpSpPr/>
+        <p:nvPr/>
+      </p:nvGrpSpPr>
+      <p:grpSpPr>
+        <a:xfrm>
+          <a:off x="0" y="0"/>
+          <a:ext cx="0" cy="0"/>
+          <a:chOff x="0" y="0"/>
+          <a:chExt cx="0" cy="0"/>
+        </a:xfrm>
+      </p:grpSpPr>
       <p:sp>
         <p:nvSpPr>
-          <p:cNvPr id="14" name="Oval 13"/>
+          <p:cNvPr id="7" name="Title 1"/>
+          <p:cNvSpPr txBox="1">
+            <a:spLocks/>
+          </p:cNvSpPr>
+          <p:nvPr/>
+        </p:nvSpPr>
+        <p:spPr>
+          <a:xfrm>
+            <a:off x="0" y="1"/>
+            <a:ext cx="9144000" cy="838199"/>
+          </a:xfrm>
+          <a:prstGeom prst="rect">
+            <a:avLst/>
+          </a:prstGeom>
+          <a:solidFill>
+            <a:schemeClr val="tx2">
+              <a:lumMod val="50000"/>
+            </a:schemeClr>
+          </a:solidFill>
+        </p:spPr>
+        <p:txBody>
+          <a:bodyPr vert="horz" lIns="91440" tIns="45720" rIns="91440" bIns="45720" rtlCol="0" anchor="ctr">
+            <a:noAutofit/>
+          </a:bodyPr>
+          <a:lstStyle/>
+          <a:p>
+            <a:pPr algn="ctr">
+              <a:spcBef>
+                <a:spcPct val="0"/>
+              </a:spcBef>
+            </a:pPr>
+            <a:r>
+              <a:rPr lang="en-US" sz="2800" b="1" dirty="0" smtClean="0">
+                <a:solidFill>
+                  <a:schemeClr val="bg1"/>
+                </a:solidFill>
+                <a:latin typeface="Times New Roman" pitchFamily="18" charset="0"/>
+                <a:ea typeface="+mj-ea"/>
+                <a:cs typeface="Times New Roman" pitchFamily="18" charset="0"/>
+              </a:rPr>
+              <a:t>Creating a simple fit using a preexisting structure file</a:t>
+            </a:r>
+            <a:endParaRPr lang="en-US" sz="2400" b="1" dirty="0" smtClean="0">
+              <a:solidFill>
+                <a:schemeClr val="bg1"/>
+              </a:solidFill>
+              <a:latin typeface="Times New Roman" pitchFamily="18" charset="0"/>
+              <a:ea typeface="+mj-ea"/>
+              <a:cs typeface="Times New Roman" pitchFamily="18" charset="0"/>
+            </a:endParaRPr>
+          </a:p>
+        </p:txBody>
+      </p:sp>
+      <p:pic>
+        <p:nvPicPr>
+          <p:cNvPr id="8" name="Picture 7" descr="fig2-02.png"/>
+          <p:cNvPicPr>
+            <a:picLocks noChangeAspect="1"/>
+          </p:cNvPicPr>
+          <p:nvPr/>
+        </p:nvPicPr>
+        <p:blipFill>
+          <a:blip r:embed="rId2" cstate="print"/>
+          <a:stretch>
+            <a:fillRect/>
+          </a:stretch>
+        </p:blipFill>
+        <p:spPr>
+          <a:xfrm>
+            <a:off x="1531620" y="1135380"/>
+            <a:ext cx="6080760" cy="5570220"/>
+          </a:xfrm>
+          <a:prstGeom prst="rect">
+            <a:avLst/>
+          </a:prstGeom>
+        </p:spPr>
+      </p:pic>
+      <p:pic>
+        <p:nvPicPr>
+          <p:cNvPr id="4" name="Picture 3" descr="fig2-03.png"/>
+          <p:cNvPicPr>
+            <a:picLocks noChangeAspect="1"/>
+          </p:cNvPicPr>
+          <p:nvPr/>
+        </p:nvPicPr>
+        <p:blipFill>
+          <a:blip r:embed="rId3" cstate="print"/>
+          <a:stretch>
+            <a:fillRect/>
+          </a:stretch>
+        </p:blipFill>
+        <p:spPr>
+          <a:xfrm>
+            <a:off x="1531620" y="1135380"/>
+            <a:ext cx="6080760" cy="5570220"/>
+          </a:xfrm>
+          <a:prstGeom prst="rect">
+            <a:avLst/>
+          </a:prstGeom>
+        </p:spPr>
+      </p:pic>
+      <p:pic>
+        <p:nvPicPr>
+          <p:cNvPr id="5" name="Picture 4" descr="fig2-04.png"/>
+          <p:cNvPicPr>
+            <a:picLocks noChangeAspect="1"/>
+          </p:cNvPicPr>
+          <p:nvPr/>
+        </p:nvPicPr>
+        <p:blipFill>
+          <a:blip r:embed="rId4" cstate="print"/>
+          <a:stretch>
+            <a:fillRect/>
+          </a:stretch>
+        </p:blipFill>
+        <p:spPr>
+          <a:xfrm>
+            <a:off x="1531620" y="1135380"/>
+            <a:ext cx="6080760" cy="5570220"/>
+          </a:xfrm>
+          <a:prstGeom prst="rect">
+            <a:avLst/>
+          </a:prstGeom>
+        </p:spPr>
+      </p:pic>
+      <p:pic>
+        <p:nvPicPr>
+          <p:cNvPr id="6" name="Picture 5" descr="fig2-05.png"/>
+          <p:cNvPicPr>
+            <a:picLocks noChangeAspect="1"/>
+          </p:cNvPicPr>
+          <p:nvPr/>
+        </p:nvPicPr>
+        <p:blipFill>
+          <a:blip r:embed="rId5" cstate="print"/>
+          <a:stretch>
+            <a:fillRect/>
+          </a:stretch>
+        </p:blipFill>
+        <p:spPr>
+          <a:xfrm>
+            <a:off x="1531620" y="1135380"/>
+            <a:ext cx="6080760" cy="5570220"/>
+          </a:xfrm>
+          <a:prstGeom prst="rect">
+            <a:avLst/>
+          </a:prstGeom>
+        </p:spPr>
+      </p:pic>
+      <p:pic>
+        <p:nvPicPr>
+          <p:cNvPr id="9" name="Picture 8" descr="fig2-06.png"/>
+          <p:cNvPicPr>
+            <a:picLocks noChangeAspect="1"/>
+          </p:cNvPicPr>
+          <p:nvPr/>
+        </p:nvPicPr>
+        <p:blipFill>
+          <a:blip r:embed="rId6" cstate="print"/>
+          <a:stretch>
+            <a:fillRect/>
+          </a:stretch>
+        </p:blipFill>
+        <p:spPr>
+          <a:xfrm>
+            <a:off x="1524000" y="1143000"/>
+            <a:ext cx="6080760" cy="5570220"/>
+          </a:xfrm>
+          <a:prstGeom prst="rect">
+            <a:avLst/>
+          </a:prstGeom>
+        </p:spPr>
+      </p:pic>
+      <p:sp>
+        <p:nvSpPr>
+          <p:cNvPr id="10" name="Rectangle 3"/>
+          <p:cNvSpPr txBox="1">
+            <a:spLocks noChangeArrowheads="1"/>
+          </p:cNvSpPr>
+          <p:nvPr/>
+        </p:nvSpPr>
+        <p:spPr bwMode="auto">
+          <a:xfrm>
+            <a:off x="0" y="762000"/>
+            <a:ext cx="9144000" cy="304800"/>
+          </a:xfrm>
+          <a:prstGeom prst="rect">
+            <a:avLst/>
+          </a:prstGeom>
+          <a:noFill/>
+          <a:ln w="9525">
+            <a:noFill/>
+            <a:miter lim="800000"/>
+            <a:headEnd/>
+            <a:tailEnd/>
+          </a:ln>
+          <a:effectLst/>
+        </p:spPr>
+        <p:txBody>
+          <a:bodyPr vert="horz" wrap="square" lIns="90000" tIns="46800" rIns="90000" bIns="46800" numCol="1" anchor="t" anchorCtr="0" compatLnSpc="1">
+            <a:prstTxWarp prst="textNoShape">
+              <a:avLst/>
+            </a:prstTxWarp>
+          </a:bodyPr>
+          <a:lstStyle/>
+          <a:p>
+            <a:pPr marL="223838" lvl="0" indent="-223838" algn="ctr" defTabSz="457200" fontAlgn="base">
+              <a:spcBef>
+                <a:spcPct val="10000"/>
+              </a:spcBef>
+              <a:spcAft>
+                <a:spcPct val="0"/>
+              </a:spcAft>
+              <a:buClr>
+                <a:schemeClr val="tx2">
+                  <a:lumMod val="50000"/>
+                </a:schemeClr>
+              </a:buClr>
+              <a:buSzPct val="75000"/>
+              <a:tabLst>
+                <a:tab pos="911225" algn="l"/>
+                <a:tab pos="1825625" algn="l"/>
+                <a:tab pos="2740025" algn="l"/>
+                <a:tab pos="3654425" algn="l"/>
+                <a:tab pos="4568825" algn="l"/>
+                <a:tab pos="5483225" algn="l"/>
+                <a:tab pos="6397625" algn="l"/>
+                <a:tab pos="7312025" algn="l"/>
+                <a:tab pos="8226425" algn="l"/>
+                <a:tab pos="9140825" algn="l"/>
+                <a:tab pos="10055225" algn="l"/>
+              </a:tabLst>
+            </a:pPr>
+            <a:r>
+              <a:rPr lang="en-US" sz="2000" kern="0" dirty="0" smtClean="0">
+                <a:solidFill>
+                  <a:schemeClr val="tx2">
+                    <a:lumMod val="50000"/>
+                  </a:schemeClr>
+                </a:solidFill>
+                <a:latin typeface="Times New Roman" pitchFamily="18" charset="0"/>
+                <a:ea typeface="宋体" pitchFamily="2" charset="-122"/>
+                <a:cs typeface="Times New Roman" pitchFamily="18" charset="0"/>
+              </a:rPr>
+              <a:t>Reviewing the fit parameters and conditions</a:t>
+            </a:r>
+            <a:endParaRPr kumimoji="0" lang="en-GB" sz="2000" b="1" i="0" u="none" strike="noStrike" kern="0" cap="none" spc="0" normalizeH="0" baseline="0" noProof="0" dirty="0" smtClean="0">
+              <a:ln>
+                <a:noFill/>
+              </a:ln>
+              <a:solidFill>
+                <a:schemeClr val="tx2">
+                  <a:lumMod val="50000"/>
+                </a:schemeClr>
+              </a:solidFill>
+              <a:effectLst/>
+              <a:uLnTx/>
+              <a:uFillTx/>
+              <a:latin typeface="Times New Roman" pitchFamily="18" charset="0"/>
+              <a:ea typeface="宋体" pitchFamily="2" charset="-122"/>
+              <a:cs typeface="Times New Roman" pitchFamily="18" charset="0"/>
+            </a:endParaRPr>
+          </a:p>
+        </p:txBody>
+      </p:sp>
+      <p:sp>
+        <p:nvSpPr>
+          <p:cNvPr id="11" name="Oval 10"/>
           <p:cNvSpPr/>
           <p:nvPr/>
         </p:nvSpPr>
         <p:spPr>
           <a:xfrm>
-            <a:off x="1466088" y="3029712"/>
+            <a:off x="3105912" y="1600200"/>
             <a:ext cx="685800" cy="304800"/>
           </a:xfrm>
           <a:prstGeom prst="ellipse">
@@ -5187,6 +5279,144 @@
           </a:p>
         </p:txBody>
       </p:sp>
+      <p:sp>
+        <p:nvSpPr>
+          <p:cNvPr id="12" name="Oval 11"/>
+          <p:cNvSpPr/>
+          <p:nvPr/>
+        </p:nvSpPr>
+        <p:spPr>
+          <a:xfrm>
+            <a:off x="2895600" y="1981200"/>
+            <a:ext cx="1219200" cy="990600"/>
+          </a:xfrm>
+          <a:prstGeom prst="ellipse">
+            <a:avLst/>
+          </a:prstGeom>
+          <a:noFill/>
+          <a:ln>
+            <a:solidFill>
+              <a:srgbClr val="FF0000"/>
+            </a:solidFill>
+          </a:ln>
+        </p:spPr>
+        <p:style>
+          <a:lnRef idx="2">
+            <a:schemeClr val="accent1">
+              <a:shade val="50000"/>
+            </a:schemeClr>
+          </a:lnRef>
+          <a:fillRef idx="1">
+            <a:schemeClr val="accent1"/>
+          </a:fillRef>
+          <a:effectRef idx="0">
+            <a:schemeClr val="accent1"/>
+          </a:effectRef>
+          <a:fontRef idx="minor">
+            <a:schemeClr val="lt1"/>
+          </a:fontRef>
+        </p:style>
+        <p:txBody>
+          <a:bodyPr rtlCol="0" anchor="ctr"/>
+          <a:lstStyle/>
+          <a:p>
+            <a:pPr algn="ctr"/>
+            <a:endParaRPr lang="en-US"/>
+          </a:p>
+        </p:txBody>
+      </p:sp>
+      <p:sp>
+        <p:nvSpPr>
+          <p:cNvPr id="13" name="Oval 12"/>
+          <p:cNvSpPr/>
+          <p:nvPr/>
+        </p:nvSpPr>
+        <p:spPr>
+          <a:xfrm>
+            <a:off x="1219200" y="3810000"/>
+            <a:ext cx="1219200" cy="990600"/>
+          </a:xfrm>
+          <a:prstGeom prst="ellipse">
+            <a:avLst/>
+          </a:prstGeom>
+          <a:noFill/>
+          <a:ln>
+            <a:solidFill>
+              <a:srgbClr val="FF0000"/>
+            </a:solidFill>
+          </a:ln>
+        </p:spPr>
+        <p:style>
+          <a:lnRef idx="2">
+            <a:schemeClr val="accent1">
+              <a:shade val="50000"/>
+            </a:schemeClr>
+          </a:lnRef>
+          <a:fillRef idx="1">
+            <a:schemeClr val="accent1"/>
+          </a:fillRef>
+          <a:effectRef idx="0">
+            <a:schemeClr val="accent1"/>
+          </a:effectRef>
+          <a:fontRef idx="minor">
+            <a:schemeClr val="lt1"/>
+          </a:fontRef>
+        </p:style>
+        <p:txBody>
+          <a:bodyPr rtlCol="0" anchor="ctr"/>
+          <a:lstStyle/>
+          <a:p>
+            <a:pPr algn="ctr"/>
+            <a:endParaRPr lang="en-US"/>
+          </a:p>
+        </p:txBody>
+      </p:sp>
+      <p:sp>
+        <p:nvSpPr>
+          <p:cNvPr id="14" name="Oval 13"/>
+          <p:cNvSpPr/>
+          <p:nvPr/>
+        </p:nvSpPr>
+        <p:spPr>
+          <a:xfrm>
+            <a:off x="1466088" y="3029712"/>
+            <a:ext cx="685800" cy="304800"/>
+          </a:xfrm>
+          <a:prstGeom prst="ellipse">
+            <a:avLst/>
+          </a:prstGeom>
+          <a:noFill/>
+          <a:ln>
+            <a:solidFill>
+              <a:srgbClr val="FF0000"/>
+            </a:solidFill>
+          </a:ln>
+        </p:spPr>
+        <p:style>
+          <a:lnRef idx="2">
+            <a:schemeClr val="accent1">
+              <a:shade val="50000"/>
+            </a:schemeClr>
+          </a:lnRef>
+          <a:fillRef idx="1">
+            <a:schemeClr val="accent1"/>
+          </a:fillRef>
+          <a:effectRef idx="0">
+            <a:schemeClr val="accent1"/>
+          </a:effectRef>
+          <a:fontRef idx="minor">
+            <a:schemeClr val="lt1"/>
+          </a:fontRef>
+        </p:style>
+        <p:txBody>
+          <a:bodyPr rtlCol="0" anchor="ctr"/>
+          <a:lstStyle/>
+          <a:p>
+            <a:pPr algn="ctr"/>
+            <a:endParaRPr lang="en-US"/>
+          </a:p>
+        </p:txBody>
+      </p:sp>
     </p:spTree>
   </p:cSld>
   <p:clrMapOvr>
@@ -5202,7 +5432,7 @@
 </p:sld>
 </file>
 
-<file path=ppt/slides/slide14.xml><?xml version="1.0" encoding="utf-8"?>
+<file path=ppt/slides/slide15.xml><?xml version="1.0" encoding="utf-8"?>
 <p:sld xmlns:a="http://schemas.openxmlformats.org/drawingml/2006/main" xmlns:r="http://schemas.openxmlformats.org/officeDocument/2006/relationships" xmlns:p="http://schemas.openxmlformats.org/presentationml/2006/main">
   <p:cSld>
     <p:spTree>
@@ -5964,7 +6194,7 @@
 </p:sld>
 </file>
 
-<file path=ppt/slides/slide15.xml><?xml version="1.0" encoding="utf-8"?>
+<file path=ppt/slides/slide16.xml><?xml version="1.0" encoding="utf-8"?>
 <p:sld xmlns:a="http://schemas.openxmlformats.org/drawingml/2006/main" xmlns:r="http://schemas.openxmlformats.org/officeDocument/2006/relationships" xmlns:p="http://schemas.openxmlformats.org/presentationml/2006/main">
   <p:cSld>
     <p:spTree>
@@ -6385,403 +6615,6 @@
           <a:p>
             <a:pPr algn="ctr"/>
             <a:endParaRPr lang="en-US"/>
-          </a:p>
-        </p:txBody>
-      </p:sp>
-    </p:spTree>
-  </p:cSld>
-  <p:clrMapOvr>
-    <a:masterClrMapping/>
-  </p:clrMapOvr>
-  <p:timing>
-    <p:tnLst>
-      <p:par>
-        <p:cTn id="1" dur="indefinite" restart="never" nodeType="tmRoot"/>
-      </p:par>
-    </p:tnLst>
-  </p:timing>
-</p:sld>
-</file>
-
-<file path=ppt/slides/slide16.xml><?xml version="1.0" encoding="utf-8"?>
-<p:sld xmlns:a="http://schemas.openxmlformats.org/drawingml/2006/main" xmlns:r="http://schemas.openxmlformats.org/officeDocument/2006/relationships" xmlns:p="http://schemas.openxmlformats.org/presentationml/2006/main">
-  <p:cSld>
-    <p:spTree>
-      <p:nvGrpSpPr>
-        <p:cNvPr id="1" name=""/>
-        <p:cNvGrpSpPr/>
-        <p:nvPr/>
-      </p:nvGrpSpPr>
-      <p:grpSpPr>
-        <a:xfrm>
-          <a:off x="0" y="0"/>
-          <a:ext cx="0" cy="0"/>
-          <a:chOff x="0" y="0"/>
-          <a:chExt cx="0" cy="0"/>
-        </a:xfrm>
-      </p:grpSpPr>
-      <p:sp>
-        <p:nvSpPr>
-          <p:cNvPr id="7" name="Title 1"/>
-          <p:cNvSpPr txBox="1">
-            <a:spLocks/>
-          </p:cNvSpPr>
-          <p:nvPr/>
-        </p:nvSpPr>
-        <p:spPr>
-          <a:xfrm>
-            <a:off x="0" y="1"/>
-            <a:ext cx="9144000" cy="838199"/>
-          </a:xfrm>
-          <a:prstGeom prst="rect">
-            <a:avLst/>
-          </a:prstGeom>
-          <a:solidFill>
-            <a:schemeClr val="tx2">
-              <a:lumMod val="50000"/>
-            </a:schemeClr>
-          </a:solidFill>
-        </p:spPr>
-        <p:txBody>
-          <a:bodyPr vert="horz" lIns="91440" tIns="45720" rIns="91440" bIns="45720" rtlCol="0" anchor="ctr">
-            <a:noAutofit/>
-          </a:bodyPr>
-          <a:lstStyle/>
-          <a:p>
-            <a:pPr algn="ctr">
-              <a:spcBef>
-                <a:spcPct val="0"/>
-              </a:spcBef>
-            </a:pPr>
-            <a:r>
-              <a:rPr lang="en-US" sz="2800" b="1" dirty="0" smtClean="0">
-                <a:solidFill>
-                  <a:schemeClr val="bg1"/>
-                </a:solidFill>
-                <a:latin typeface="Times New Roman" pitchFamily="18" charset="0"/>
-                <a:ea typeface="+mj-ea"/>
-                <a:cs typeface="Times New Roman" pitchFamily="18" charset="0"/>
-              </a:rPr>
-              <a:t>Creating a simple fit using a preexisting structure file</a:t>
-            </a:r>
-            <a:endParaRPr lang="en-US" sz="2400" b="1" dirty="0" smtClean="0">
-              <a:solidFill>
-                <a:schemeClr val="bg1"/>
-              </a:solidFill>
-              <a:latin typeface="Times New Roman" pitchFamily="18" charset="0"/>
-              <a:ea typeface="+mj-ea"/>
-              <a:cs typeface="Times New Roman" pitchFamily="18" charset="0"/>
-            </a:endParaRPr>
-          </a:p>
-        </p:txBody>
-      </p:sp>
-      <p:pic>
-        <p:nvPicPr>
-          <p:cNvPr id="8" name="Picture 7" descr="fig2-02.png"/>
-          <p:cNvPicPr>
-            <a:picLocks noChangeAspect="1"/>
-          </p:cNvPicPr>
-          <p:nvPr/>
-        </p:nvPicPr>
-        <p:blipFill>
-          <a:blip r:embed="rId2" cstate="print"/>
-          <a:stretch>
-            <a:fillRect/>
-          </a:stretch>
-        </p:blipFill>
-        <p:spPr>
-          <a:xfrm>
-            <a:off x="1531620" y="1135380"/>
-            <a:ext cx="6080760" cy="5570220"/>
-          </a:xfrm>
-          <a:prstGeom prst="rect">
-            <a:avLst/>
-          </a:prstGeom>
-        </p:spPr>
-      </p:pic>
-      <p:pic>
-        <p:nvPicPr>
-          <p:cNvPr id="4" name="Picture 3" descr="fig2-03.png"/>
-          <p:cNvPicPr>
-            <a:picLocks noChangeAspect="1"/>
-          </p:cNvPicPr>
-          <p:nvPr/>
-        </p:nvPicPr>
-        <p:blipFill>
-          <a:blip r:embed="rId3" cstate="print"/>
-          <a:stretch>
-            <a:fillRect/>
-          </a:stretch>
-        </p:blipFill>
-        <p:spPr>
-          <a:xfrm>
-            <a:off x="1531620" y="1135380"/>
-            <a:ext cx="6080760" cy="5570220"/>
-          </a:xfrm>
-          <a:prstGeom prst="rect">
-            <a:avLst/>
-          </a:prstGeom>
-        </p:spPr>
-      </p:pic>
-      <p:pic>
-        <p:nvPicPr>
-          <p:cNvPr id="5" name="Picture 4" descr="fig2-04.png"/>
-          <p:cNvPicPr>
-            <a:picLocks noChangeAspect="1"/>
-          </p:cNvPicPr>
-          <p:nvPr/>
-        </p:nvPicPr>
-        <p:blipFill>
-          <a:blip r:embed="rId4" cstate="print"/>
-          <a:stretch>
-            <a:fillRect/>
-          </a:stretch>
-        </p:blipFill>
-        <p:spPr>
-          <a:xfrm>
-            <a:off x="1531620" y="1135380"/>
-            <a:ext cx="6080760" cy="5570220"/>
-          </a:xfrm>
-          <a:prstGeom prst="rect">
-            <a:avLst/>
-          </a:prstGeom>
-        </p:spPr>
-      </p:pic>
-      <p:pic>
-        <p:nvPicPr>
-          <p:cNvPr id="6" name="Picture 5" descr="fig2-05.png"/>
-          <p:cNvPicPr>
-            <a:picLocks noChangeAspect="1"/>
-          </p:cNvPicPr>
-          <p:nvPr/>
-        </p:nvPicPr>
-        <p:blipFill>
-          <a:blip r:embed="rId5" cstate="print"/>
-          <a:stretch>
-            <a:fillRect/>
-          </a:stretch>
-        </p:blipFill>
-        <p:spPr>
-          <a:xfrm>
-            <a:off x="1531620" y="1135380"/>
-            <a:ext cx="6080760" cy="5570220"/>
-          </a:xfrm>
-          <a:prstGeom prst="rect">
-            <a:avLst/>
-          </a:prstGeom>
-        </p:spPr>
-      </p:pic>
-      <p:pic>
-        <p:nvPicPr>
-          <p:cNvPr id="9" name="Picture 8" descr="fig2-06.png"/>
-          <p:cNvPicPr>
-            <a:picLocks noChangeAspect="1"/>
-          </p:cNvPicPr>
-          <p:nvPr/>
-        </p:nvPicPr>
-        <p:blipFill>
-          <a:blip r:embed="rId6" cstate="print"/>
-          <a:stretch>
-            <a:fillRect/>
-          </a:stretch>
-        </p:blipFill>
-        <p:spPr>
-          <a:xfrm>
-            <a:off x="1531620" y="1135380"/>
-            <a:ext cx="6080760" cy="5570220"/>
-          </a:xfrm>
-          <a:prstGeom prst="rect">
-            <a:avLst/>
-          </a:prstGeom>
-        </p:spPr>
-      </p:pic>
-      <p:pic>
-        <p:nvPicPr>
-          <p:cNvPr id="10" name="Picture 9" descr="fig2-07.png"/>
-          <p:cNvPicPr>
-            <a:picLocks noChangeAspect="1"/>
-          </p:cNvPicPr>
-          <p:nvPr/>
-        </p:nvPicPr>
-        <p:blipFill>
-          <a:blip r:embed="rId7" cstate="print"/>
-          <a:stretch>
-            <a:fillRect/>
-          </a:stretch>
-        </p:blipFill>
-        <p:spPr>
-          <a:xfrm>
-            <a:off x="1531620" y="1135380"/>
-            <a:ext cx="6080760" cy="5570220"/>
-          </a:xfrm>
-          <a:prstGeom prst="rect">
-            <a:avLst/>
-          </a:prstGeom>
-        </p:spPr>
-      </p:pic>
-      <p:pic>
-        <p:nvPicPr>
-          <p:cNvPr id="12" name="Picture 11" descr="fig2-08.png"/>
-          <p:cNvPicPr>
-            <a:picLocks noChangeAspect="1"/>
-          </p:cNvPicPr>
-          <p:nvPr/>
-        </p:nvPicPr>
-        <p:blipFill>
-          <a:blip r:embed="rId8" cstate="print"/>
-          <a:stretch>
-            <a:fillRect/>
-          </a:stretch>
-        </p:blipFill>
-        <p:spPr>
-          <a:xfrm>
-            <a:off x="1531620" y="1135380"/>
-            <a:ext cx="6080760" cy="5570220"/>
-          </a:xfrm>
-          <a:prstGeom prst="rect">
-            <a:avLst/>
-          </a:prstGeom>
-        </p:spPr>
-      </p:pic>
-      <p:pic>
-        <p:nvPicPr>
-          <p:cNvPr id="11" name="Picture 10" descr="fig2-09.png"/>
-          <p:cNvPicPr>
-            <a:picLocks noChangeAspect="1"/>
-          </p:cNvPicPr>
-          <p:nvPr/>
-        </p:nvPicPr>
-        <p:blipFill>
-          <a:blip r:embed="rId9" cstate="print"/>
-          <a:stretch>
-            <a:fillRect/>
-          </a:stretch>
-        </p:blipFill>
-        <p:spPr>
-          <a:xfrm>
-            <a:off x="1501338" y="1133605"/>
-            <a:ext cx="6118662" cy="5585281"/>
-          </a:xfrm>
-          <a:prstGeom prst="rect">
-            <a:avLst/>
-          </a:prstGeom>
-        </p:spPr>
-      </p:pic>
-      <p:sp>
-        <p:nvSpPr>
-          <p:cNvPr id="13" name="Rectangle 3"/>
-          <p:cNvSpPr txBox="1">
-            <a:spLocks noChangeArrowheads="1"/>
-          </p:cNvSpPr>
-          <p:nvPr/>
-        </p:nvSpPr>
-        <p:spPr bwMode="auto">
-          <a:xfrm>
-            <a:off x="0" y="762000"/>
-            <a:ext cx="9144000" cy="304800"/>
-          </a:xfrm>
-          <a:prstGeom prst="rect">
-            <a:avLst/>
-          </a:prstGeom>
-          <a:noFill/>
-          <a:ln w="9525">
-            <a:noFill/>
-            <a:miter lim="800000"/>
-            <a:headEnd/>
-            <a:tailEnd/>
-          </a:ln>
-          <a:effectLst/>
-        </p:spPr>
-        <p:txBody>
-          <a:bodyPr vert="horz" wrap="square" lIns="90000" tIns="46800" rIns="90000" bIns="46800" numCol="1" anchor="t" anchorCtr="0" compatLnSpc="1">
-            <a:prstTxWarp prst="textNoShape">
-              <a:avLst/>
-            </a:prstTxWarp>
-          </a:bodyPr>
-          <a:lstStyle/>
-          <a:p>
-            <a:pPr marL="223838" lvl="0" indent="-223838" algn="ctr" defTabSz="457200" fontAlgn="base">
-              <a:spcBef>
-                <a:spcPct val="10000"/>
-              </a:spcBef>
-              <a:spcAft>
-                <a:spcPct val="0"/>
-              </a:spcAft>
-              <a:buClr>
-                <a:schemeClr val="tx2">
-                  <a:lumMod val="50000"/>
-                </a:schemeClr>
-              </a:buClr>
-              <a:buSzPct val="75000"/>
-              <a:tabLst>
-                <a:tab pos="911225" algn="l"/>
-                <a:tab pos="1825625" algn="l"/>
-                <a:tab pos="2740025" algn="l"/>
-                <a:tab pos="3654425" algn="l"/>
-                <a:tab pos="4568825" algn="l"/>
-                <a:tab pos="5483225" algn="l"/>
-                <a:tab pos="6397625" algn="l"/>
-                <a:tab pos="7312025" algn="l"/>
-                <a:tab pos="8226425" algn="l"/>
-                <a:tab pos="9140825" algn="l"/>
-                <a:tab pos="10055225" algn="l"/>
-              </a:tabLst>
-            </a:pPr>
-            <a:r>
-              <a:rPr lang="en-US" sz="2000" kern="0" dirty="0" smtClean="0">
-                <a:solidFill>
-                  <a:schemeClr val="tx2">
-                    <a:lumMod val="50000"/>
-                  </a:schemeClr>
-                </a:solidFill>
-                <a:latin typeface="Times New Roman" pitchFamily="18" charset="0"/>
-                <a:ea typeface="宋体" pitchFamily="2" charset="-122"/>
-                <a:cs typeface="Times New Roman" pitchFamily="18" charset="0"/>
-              </a:rPr>
-              <a:t>An example of </a:t>
-            </a:r>
-            <a:r>
-              <a:rPr lang="en-US" sz="2000" kern="0" dirty="0" err="1" smtClean="0">
-                <a:solidFill>
-                  <a:schemeClr val="tx2">
-                    <a:lumMod val="50000"/>
-                  </a:schemeClr>
-                </a:solidFill>
-                <a:latin typeface="Times New Roman" pitchFamily="18" charset="0"/>
-                <a:ea typeface="宋体" pitchFamily="2" charset="-122"/>
-                <a:cs typeface="Times New Roman" pitchFamily="18" charset="0"/>
-              </a:rPr>
-              <a:t>PDFgui</a:t>
-            </a:r>
-            <a:r>
-              <a:rPr lang="en-US" sz="2000" kern="0" dirty="0" smtClean="0">
-                <a:solidFill>
-                  <a:schemeClr val="tx2">
-                    <a:lumMod val="50000"/>
-                  </a:schemeClr>
-                </a:solidFill>
-                <a:latin typeface="Times New Roman" pitchFamily="18" charset="0"/>
-                <a:ea typeface="宋体" pitchFamily="2" charset="-122"/>
-                <a:cs typeface="Times New Roman" pitchFamily="18" charset="0"/>
-              </a:rPr>
-              <a:t> plotting capabilities: displaying a fit.</a:t>
-            </a:r>
-            <a:endParaRPr kumimoji="0" lang="en-GB" sz="2000" b="1" i="0" u="none" strike="noStrike" kern="0" cap="none" spc="0" normalizeH="0" baseline="0" noProof="0" dirty="0" smtClean="0">
-              <a:ln>
-                <a:noFill/>
-              </a:ln>
-              <a:solidFill>
-                <a:schemeClr val="tx2">
-                  <a:lumMod val="50000"/>
-                </a:schemeClr>
-              </a:solidFill>
-              <a:effectLst/>
-              <a:uLnTx/>
-              <a:uFillTx/>
-              <a:latin typeface="Times New Roman" pitchFamily="18" charset="0"/>
-              <a:ea typeface="宋体" pitchFamily="2" charset="-122"/>
-              <a:cs typeface="Times New Roman" pitchFamily="18" charset="0"/>
-            </a:endParaRPr>
           </a:p>
         </p:txBody>
       </p:sp>
@@ -7064,33 +6897,9 @@
           </a:prstGeom>
         </p:spPr>
       </p:pic>
-      <p:pic>
-        <p:nvPicPr>
-          <p:cNvPr id="13" name="Picture 12" descr="fig2-10.png"/>
-          <p:cNvPicPr>
-            <a:picLocks noChangeAspect="1"/>
-          </p:cNvPicPr>
-          <p:nvPr/>
-        </p:nvPicPr>
-        <p:blipFill>
-          <a:blip r:embed="rId10" cstate="print"/>
-          <a:stretch>
-            <a:fillRect/>
-          </a:stretch>
-        </p:blipFill>
-        <p:spPr>
-          <a:xfrm>
-            <a:off x="1485708" y="1143000"/>
-            <a:ext cx="6116004" cy="5586807"/>
-          </a:xfrm>
-          <a:prstGeom prst="rect">
-            <a:avLst/>
-          </a:prstGeom>
-        </p:spPr>
-      </p:pic>
       <p:sp>
         <p:nvSpPr>
-          <p:cNvPr id="14" name="Rectangle 3"/>
+          <p:cNvPr id="13" name="Rectangle 3"/>
           <p:cNvSpPr txBox="1">
             <a:spLocks noChangeArrowheads="1"/>
           </p:cNvSpPr>
@@ -7185,7 +6994,7 @@
                 <a:ea typeface="宋体" pitchFamily="2" charset="-122"/>
                 <a:cs typeface="Times New Roman" pitchFamily="18" charset="0"/>
               </a:rPr>
-              <a:t> plotting capabilities: displaying a parameter.</a:t>
+              <a:t> plotting capabilities: displaying a fit.</a:t>
             </a:r>
             <a:endParaRPr kumimoji="0" lang="en-GB" sz="2000" b="1" i="0" u="none" strike="noStrike" kern="0" cap="none" spc="0" normalizeH="0" baseline="0" noProof="0" dirty="0" smtClean="0">
               <a:ln>
@@ -7319,7 +7128,7 @@
       </p:pic>
       <p:pic>
         <p:nvPicPr>
-          <p:cNvPr id="14" name="Picture 13" descr="fig2-11.png"/>
+          <p:cNvPr id="4" name="Picture 3" descr="fig2-03.png"/>
           <p:cNvPicPr>
             <a:picLocks noChangeAspect="1"/>
           </p:cNvPicPr>
@@ -7333,8 +7142,176 @@
         </p:blipFill>
         <p:spPr>
           <a:xfrm>
-            <a:off x="1524000" y="1143001"/>
-            <a:ext cx="6093094" cy="5562600"/>
+            <a:off x="1531620" y="1135380"/>
+            <a:ext cx="6080760" cy="5570220"/>
+          </a:xfrm>
+          <a:prstGeom prst="rect">
+            <a:avLst/>
+          </a:prstGeom>
+        </p:spPr>
+      </p:pic>
+      <p:pic>
+        <p:nvPicPr>
+          <p:cNvPr id="5" name="Picture 4" descr="fig2-04.png"/>
+          <p:cNvPicPr>
+            <a:picLocks noChangeAspect="1"/>
+          </p:cNvPicPr>
+          <p:nvPr/>
+        </p:nvPicPr>
+        <p:blipFill>
+          <a:blip r:embed="rId4" cstate="print"/>
+          <a:stretch>
+            <a:fillRect/>
+          </a:stretch>
+        </p:blipFill>
+        <p:spPr>
+          <a:xfrm>
+            <a:off x="1531620" y="1135380"/>
+            <a:ext cx="6080760" cy="5570220"/>
+          </a:xfrm>
+          <a:prstGeom prst="rect">
+            <a:avLst/>
+          </a:prstGeom>
+        </p:spPr>
+      </p:pic>
+      <p:pic>
+        <p:nvPicPr>
+          <p:cNvPr id="6" name="Picture 5" descr="fig2-05.png"/>
+          <p:cNvPicPr>
+            <a:picLocks noChangeAspect="1"/>
+          </p:cNvPicPr>
+          <p:nvPr/>
+        </p:nvPicPr>
+        <p:blipFill>
+          <a:blip r:embed="rId5" cstate="print"/>
+          <a:stretch>
+            <a:fillRect/>
+          </a:stretch>
+        </p:blipFill>
+        <p:spPr>
+          <a:xfrm>
+            <a:off x="1531620" y="1135380"/>
+            <a:ext cx="6080760" cy="5570220"/>
+          </a:xfrm>
+          <a:prstGeom prst="rect">
+            <a:avLst/>
+          </a:prstGeom>
+        </p:spPr>
+      </p:pic>
+      <p:pic>
+        <p:nvPicPr>
+          <p:cNvPr id="9" name="Picture 8" descr="fig2-06.png"/>
+          <p:cNvPicPr>
+            <a:picLocks noChangeAspect="1"/>
+          </p:cNvPicPr>
+          <p:nvPr/>
+        </p:nvPicPr>
+        <p:blipFill>
+          <a:blip r:embed="rId6" cstate="print"/>
+          <a:stretch>
+            <a:fillRect/>
+          </a:stretch>
+        </p:blipFill>
+        <p:spPr>
+          <a:xfrm>
+            <a:off x="1531620" y="1135380"/>
+            <a:ext cx="6080760" cy="5570220"/>
+          </a:xfrm>
+          <a:prstGeom prst="rect">
+            <a:avLst/>
+          </a:prstGeom>
+        </p:spPr>
+      </p:pic>
+      <p:pic>
+        <p:nvPicPr>
+          <p:cNvPr id="10" name="Picture 9" descr="fig2-07.png"/>
+          <p:cNvPicPr>
+            <a:picLocks noChangeAspect="1"/>
+          </p:cNvPicPr>
+          <p:nvPr/>
+        </p:nvPicPr>
+        <p:blipFill>
+          <a:blip r:embed="rId7" cstate="print"/>
+          <a:stretch>
+            <a:fillRect/>
+          </a:stretch>
+        </p:blipFill>
+        <p:spPr>
+          <a:xfrm>
+            <a:off x="1531620" y="1135380"/>
+            <a:ext cx="6080760" cy="5570220"/>
+          </a:xfrm>
+          <a:prstGeom prst="rect">
+            <a:avLst/>
+          </a:prstGeom>
+        </p:spPr>
+      </p:pic>
+      <p:pic>
+        <p:nvPicPr>
+          <p:cNvPr id="12" name="Picture 11" descr="fig2-08.png"/>
+          <p:cNvPicPr>
+            <a:picLocks noChangeAspect="1"/>
+          </p:cNvPicPr>
+          <p:nvPr/>
+        </p:nvPicPr>
+        <p:blipFill>
+          <a:blip r:embed="rId8" cstate="print"/>
+          <a:stretch>
+            <a:fillRect/>
+          </a:stretch>
+        </p:blipFill>
+        <p:spPr>
+          <a:xfrm>
+            <a:off x="1531620" y="1135380"/>
+            <a:ext cx="6080760" cy="5570220"/>
+          </a:xfrm>
+          <a:prstGeom prst="rect">
+            <a:avLst/>
+          </a:prstGeom>
+        </p:spPr>
+      </p:pic>
+      <p:pic>
+        <p:nvPicPr>
+          <p:cNvPr id="11" name="Picture 10" descr="fig2-09.png"/>
+          <p:cNvPicPr>
+            <a:picLocks noChangeAspect="1"/>
+          </p:cNvPicPr>
+          <p:nvPr/>
+        </p:nvPicPr>
+        <p:blipFill>
+          <a:blip r:embed="rId9" cstate="print"/>
+          <a:stretch>
+            <a:fillRect/>
+          </a:stretch>
+        </p:blipFill>
+        <p:spPr>
+          <a:xfrm>
+            <a:off x="1501338" y="1133605"/>
+            <a:ext cx="6118662" cy="5585281"/>
+          </a:xfrm>
+          <a:prstGeom prst="rect">
+            <a:avLst/>
+          </a:prstGeom>
+        </p:spPr>
+      </p:pic>
+      <p:pic>
+        <p:nvPicPr>
+          <p:cNvPr id="13" name="Picture 12" descr="fig2-10.png"/>
+          <p:cNvPicPr>
+            <a:picLocks noChangeAspect="1"/>
+          </p:cNvPicPr>
+          <p:nvPr/>
+        </p:nvPicPr>
+        <p:blipFill>
+          <a:blip r:embed="rId10" cstate="print"/>
+          <a:stretch>
+            <a:fillRect/>
+          </a:stretch>
+        </p:blipFill>
+        <p:spPr>
+          <a:xfrm>
+            <a:off x="1485708" y="1143000"/>
+            <a:ext cx="6116004" cy="5586807"/>
           </a:xfrm>
           <a:prstGeom prst="rect">
             <a:avLst/>
@@ -7343,7 +7320,7 @@
       </p:pic>
       <p:sp>
         <p:nvSpPr>
-          <p:cNvPr id="15" name="Rectangle 3"/>
+          <p:cNvPr id="14" name="Rectangle 3"/>
           <p:cNvSpPr txBox="1">
             <a:spLocks noChangeArrowheads="1"/>
           </p:cNvSpPr>
@@ -7412,7 +7389,33 @@
                 <a:ea typeface="宋体" pitchFamily="2" charset="-122"/>
                 <a:cs typeface="Times New Roman" pitchFamily="18" charset="0"/>
               </a:rPr>
-              <a:t>Using “Journal” feature can be a convenient way for taking notes.</a:t>
+              <a:t>An example of </a:t>
+            </a:r>
+            <a:r>
+              <a:rPr lang="en-US" sz="2000" kern="0" dirty="0" err="1" smtClean="0">
+                <a:solidFill>
+                  <a:schemeClr val="tx2">
+                    <a:lumMod val="50000"/>
+                  </a:schemeClr>
+                </a:solidFill>
+                <a:latin typeface="Times New Roman" pitchFamily="18" charset="0"/>
+                <a:ea typeface="宋体" pitchFamily="2" charset="-122"/>
+                <a:cs typeface="Times New Roman" pitchFamily="18" charset="0"/>
+              </a:rPr>
+              <a:t>PDFgui</a:t>
+            </a:r>
+            <a:r>
+              <a:rPr lang="en-US" sz="2000" kern="0" dirty="0" smtClean="0">
+                <a:solidFill>
+                  <a:schemeClr val="tx2">
+                    <a:lumMod val="50000"/>
+                  </a:schemeClr>
+                </a:solidFill>
+                <a:latin typeface="Times New Roman" pitchFamily="18" charset="0"/>
+                <a:ea typeface="宋体" pitchFamily="2" charset="-122"/>
+                <a:cs typeface="Times New Roman" pitchFamily="18" charset="0"/>
+              </a:rPr>
+              <a:t> plotting capabilities: displaying a parameter.</a:t>
             </a:r>
             <a:endParaRPr kumimoji="0" lang="en-GB" sz="2000" b="1" i="0" u="none" strike="noStrike" kern="0" cap="none" spc="0" normalizeH="0" baseline="0" noProof="0" dirty="0" smtClean="0">
               <a:ln>
@@ -7507,8 +7510,16 @@
                 <a:ea typeface="+mj-ea"/>
                 <a:cs typeface="Times New Roman" pitchFamily="18" charset="0"/>
               </a:rPr>
-              <a:t>Building structure model using crystal symmetry</a:t>
-            </a:r>
+              <a:t>Creating a simple fit using a preexisting structure file</a:t>
+            </a:r>
+            <a:endParaRPr lang="en-US" sz="2400" b="1" dirty="0" smtClean="0">
+              <a:solidFill>
+                <a:schemeClr val="bg1"/>
+              </a:solidFill>
+              <a:latin typeface="Times New Roman" pitchFamily="18" charset="0"/>
+              <a:ea typeface="+mj-ea"/>
+              <a:cs typeface="Times New Roman" pitchFamily="18" charset="0"/>
+            </a:endParaRPr>
           </a:p>
         </p:txBody>
       </p:sp>
@@ -7560,33 +7571,9 @@
           </a:prstGeom>
         </p:spPr>
       </p:pic>
-      <p:pic>
-        <p:nvPicPr>
-          <p:cNvPr id="5" name="Picture 4" descr="fig3-01.png"/>
-          <p:cNvPicPr>
-            <a:picLocks noChangeAspect="1"/>
-          </p:cNvPicPr>
-          <p:nvPr/>
-        </p:nvPicPr>
-        <p:blipFill>
-          <a:blip r:embed="rId4" cstate="print"/>
-          <a:stretch>
-            <a:fillRect/>
-          </a:stretch>
-        </p:blipFill>
-        <p:spPr>
-          <a:xfrm>
-            <a:off x="914400" y="1143000"/>
-            <a:ext cx="7325458" cy="5562600"/>
-          </a:xfrm>
-          <a:prstGeom prst="rect">
-            <a:avLst/>
-          </a:prstGeom>
-        </p:spPr>
-      </p:pic>
       <p:sp>
         <p:nvSpPr>
-          <p:cNvPr id="6" name="Rectangle 3"/>
+          <p:cNvPr id="15" name="Rectangle 3"/>
           <p:cNvSpPr txBox="1">
             <a:spLocks noChangeArrowheads="1"/>
           </p:cNvSpPr>
@@ -7655,33 +7642,7 @@
                 <a:ea typeface="宋体" pitchFamily="2" charset="-122"/>
                 <a:cs typeface="Times New Roman" pitchFamily="18" charset="0"/>
               </a:rPr>
-              <a:t>Expanding the </a:t>
-            </a:r>
-            <a:r>
-              <a:rPr lang="en-US" sz="2000" b="1" kern="0" dirty="0" smtClean="0">
-                <a:solidFill>
-                  <a:schemeClr val="tx2">
-                    <a:lumMod val="50000"/>
-                  </a:schemeClr>
-                </a:solidFill>
-                <a:latin typeface="Times New Roman" pitchFamily="18" charset="0"/>
-                <a:ea typeface="宋体" pitchFamily="2" charset="-122"/>
-                <a:cs typeface="Times New Roman" pitchFamily="18" charset="0"/>
-              </a:rPr>
-              <a:t>unit cell</a:t>
-            </a:r>
-            <a:r>
-              <a:rPr lang="en-US" sz="2000" kern="0" dirty="0" smtClean="0">
-                <a:solidFill>
-                  <a:schemeClr val="tx2">
-                    <a:lumMod val="50000"/>
-                  </a:schemeClr>
-                </a:solidFill>
-                <a:latin typeface="Times New Roman" pitchFamily="18" charset="0"/>
-                <a:ea typeface="宋体" pitchFamily="2" charset="-122"/>
-                <a:cs typeface="Times New Roman" pitchFamily="18" charset="0"/>
-              </a:rPr>
-              <a:t> using space group information.</a:t>
+              <a:t>Using “Journal” feature can be a convenient way for taking notes.</a:t>
             </a:r>
             <a:endParaRPr kumimoji="0" lang="en-GB" sz="2000" b="1" i="0" u="none" strike="noStrike" kern="0" cap="none" spc="0" normalizeH="0" baseline="0" noProof="0" dirty="0" smtClean="0">
               <a:ln>
@@ -7699,52 +7660,6 @@
               <a:ea typeface="宋体" pitchFamily="2" charset="-122"/>
               <a:cs typeface="Times New Roman" pitchFamily="18" charset="0"/>
             </a:endParaRPr>
-          </a:p>
-        </p:txBody>
-      </p:sp>
-      <p:sp>
-        <p:nvSpPr>
-          <p:cNvPr id="9" name="Oval 8"/>
-          <p:cNvSpPr/>
-          <p:nvPr/>
-        </p:nvSpPr>
-        <p:spPr>
-          <a:xfrm>
-            <a:off x="2837688" y="1752600"/>
-            <a:ext cx="685800" cy="304800"/>
-          </a:xfrm>
-          <a:prstGeom prst="ellipse">
-            <a:avLst/>
-          </a:prstGeom>
-          <a:noFill/>
-          <a:ln>
-            <a:solidFill>
-              <a:srgbClr val="FF0000"/>
-            </a:solidFill>
-          </a:ln>
-        </p:spPr>
-        <p:style>
-          <a:lnRef idx="2">
-            <a:schemeClr val="accent1">
-              <a:shade val="50000"/>
-            </a:schemeClr>
-          </a:lnRef>
-          <a:fillRef idx="1">
-            <a:schemeClr val="accent1"/>
-          </a:fillRef>
-          <a:effectRef idx="0">
-            <a:schemeClr val="accent1"/>
-          </a:effectRef>
-          <a:fontRef idx="minor">
-            <a:schemeClr val="lt1"/>
-          </a:fontRef>
-        </p:style>
-        <p:txBody>
-          <a:bodyPr rtlCol="0" anchor="ctr"/>
-          <a:lstStyle/>
-          <a:p>
-            <a:pPr algn="ctr"/>
-            <a:endParaRPr lang="en-US"/>
           </a:p>
         </p:txBody>
       </p:sp>
@@ -7887,6 +7802,13 @@
   <p:clrMapOvr>
     <a:masterClrMapping/>
   </p:clrMapOvr>
+  <p:timing>
+    <p:tnLst>
+      <p:par>
+        <p:cTn id="1" dur="indefinite" restart="never" nodeType="tmRoot"/>
+      </p:par>
+    </p:tnLst>
+  </p:timing>
 </p:sld>
 </file>
 
@@ -8097,7 +8019,7 @@
                 <a:ea typeface="宋体" pitchFamily="2" charset="-122"/>
                 <a:cs typeface="Times New Roman" pitchFamily="18" charset="0"/>
               </a:rPr>
-              <a:t>Setting up </a:t>
+              <a:t>Expanding the </a:t>
             </a:r>
             <a:r>
               <a:rPr lang="en-US" sz="2000" b="1" kern="0" dirty="0" smtClean="0">
@@ -8110,7 +8032,7 @@
                 <a:ea typeface="宋体" pitchFamily="2" charset="-122"/>
                 <a:cs typeface="Times New Roman" pitchFamily="18" charset="0"/>
               </a:rPr>
-              <a:t>symmetry constraints</a:t>
+              <a:t>unit cell</a:t>
             </a:r>
             <a:r>
               <a:rPr lang="en-US" sz="2000" kern="0" dirty="0" smtClean="0">
@@ -8123,7 +8045,7 @@
                 <a:ea typeface="宋体" pitchFamily="2" charset="-122"/>
                 <a:cs typeface="Times New Roman" pitchFamily="18" charset="0"/>
               </a:rPr>
-              <a:t> to be used in a refinement.</a:t>
+              <a:t> using space group information.</a:t>
             </a:r>
             <a:endParaRPr kumimoji="0" lang="en-GB" sz="2000" b="1" i="0" u="none" strike="noStrike" kern="0" cap="none" spc="0" normalizeH="0" baseline="0" noProof="0" dirty="0" smtClean="0">
               <a:ln>
@@ -8144,40 +8066,16 @@
           </a:p>
         </p:txBody>
       </p:sp>
-      <p:pic>
-        <p:nvPicPr>
-          <p:cNvPr id="9" name="Picture 8" descr="fig3-02.png"/>
-          <p:cNvPicPr>
-            <a:picLocks noChangeAspect="1"/>
-          </p:cNvPicPr>
-          <p:nvPr/>
-        </p:nvPicPr>
-        <p:blipFill>
-          <a:blip r:embed="rId5" cstate="print"/>
-          <a:stretch>
-            <a:fillRect/>
-          </a:stretch>
-        </p:blipFill>
-        <p:spPr>
-          <a:xfrm>
-            <a:off x="905256" y="1152144"/>
-            <a:ext cx="7315200" cy="5513694"/>
-          </a:xfrm>
-          <a:prstGeom prst="rect">
-            <a:avLst/>
-          </a:prstGeom>
-        </p:spPr>
-      </p:pic>
       <p:sp>
         <p:nvSpPr>
-          <p:cNvPr id="10" name="Oval 9"/>
+          <p:cNvPr id="9" name="Oval 8"/>
           <p:cNvSpPr/>
           <p:nvPr/>
         </p:nvSpPr>
         <p:spPr>
           <a:xfrm>
-            <a:off x="3532632" y="1752600"/>
-            <a:ext cx="762000" cy="304800"/>
+            <a:off x="2837688" y="1752600"/>
+            <a:ext cx="685800" cy="304800"/>
           </a:xfrm>
           <a:prstGeom prst="ellipse">
             <a:avLst/>
@@ -8288,7 +8186,7 @@
                 <a:ea typeface="+mj-ea"/>
                 <a:cs typeface="Times New Roman" pitchFamily="18" charset="0"/>
               </a:rPr>
-              <a:t>Calculating PDF from a structure</a:t>
+              <a:t>Building structure model using crystal symmetry</a:t>
             </a:r>
           </a:p>
         </p:txBody>
@@ -8365,33 +8263,9 @@
           </a:prstGeom>
         </p:spPr>
       </p:pic>
-      <p:pic>
-        <p:nvPicPr>
-          <p:cNvPr id="9" name="Picture 8" descr="fig3-03.png"/>
-          <p:cNvPicPr>
-            <a:picLocks noChangeAspect="1"/>
-          </p:cNvPicPr>
-          <p:nvPr/>
-        </p:nvPicPr>
-        <p:blipFill>
-          <a:blip r:embed="rId5" cstate="print"/>
-          <a:stretch>
-            <a:fillRect/>
-          </a:stretch>
-        </p:blipFill>
-        <p:spPr>
-          <a:xfrm>
-            <a:off x="914400" y="1143000"/>
-            <a:ext cx="7315200" cy="5541540"/>
-          </a:xfrm>
-          <a:prstGeom prst="rect">
-            <a:avLst/>
-          </a:prstGeom>
-        </p:spPr>
-      </p:pic>
       <p:sp>
         <p:nvSpPr>
-          <p:cNvPr id="10" name="Rectangle 3"/>
+          <p:cNvPr id="6" name="Rectangle 3"/>
           <p:cNvSpPr txBox="1">
             <a:spLocks noChangeArrowheads="1"/>
           </p:cNvSpPr>
@@ -8460,7 +8334,33 @@
                 <a:ea typeface="宋体" pitchFamily="2" charset="-122"/>
                 <a:cs typeface="Times New Roman" pitchFamily="18" charset="0"/>
               </a:rPr>
-              <a:t>An example of the calculation configuration panel.</a:t>
+              <a:t>Setting up </a:t>
+            </a:r>
+            <a:r>
+              <a:rPr lang="en-US" sz="2000" b="1" kern="0" dirty="0" smtClean="0">
+                <a:solidFill>
+                  <a:schemeClr val="tx2">
+                    <a:lumMod val="50000"/>
+                  </a:schemeClr>
+                </a:solidFill>
+                <a:latin typeface="Times New Roman" pitchFamily="18" charset="0"/>
+                <a:ea typeface="宋体" pitchFamily="2" charset="-122"/>
+                <a:cs typeface="Times New Roman" pitchFamily="18" charset="0"/>
+              </a:rPr>
+              <a:t>symmetry constraints</a:t>
+            </a:r>
+            <a:r>
+              <a:rPr lang="en-US" sz="2000" kern="0" dirty="0" smtClean="0">
+                <a:solidFill>
+                  <a:schemeClr val="tx2">
+                    <a:lumMod val="50000"/>
+                  </a:schemeClr>
+                </a:solidFill>
+                <a:latin typeface="Times New Roman" pitchFamily="18" charset="0"/>
+                <a:ea typeface="宋体" pitchFamily="2" charset="-122"/>
+                <a:cs typeface="Times New Roman" pitchFamily="18" charset="0"/>
+              </a:rPr>
+              <a:t> to be used in a refinement.</a:t>
             </a:r>
             <a:endParaRPr kumimoji="0" lang="en-GB" sz="2000" b="1" i="0" u="none" strike="noStrike" kern="0" cap="none" spc="0" normalizeH="0" baseline="0" noProof="0" dirty="0" smtClean="0">
               <a:ln>
@@ -8478,6 +8378,76 @@
               <a:ea typeface="宋体" pitchFamily="2" charset="-122"/>
               <a:cs typeface="Times New Roman" pitchFamily="18" charset="0"/>
             </a:endParaRPr>
+          </a:p>
+        </p:txBody>
+      </p:sp>
+      <p:pic>
+        <p:nvPicPr>
+          <p:cNvPr id="9" name="Picture 8" descr="fig3-02.png"/>
+          <p:cNvPicPr>
+            <a:picLocks noChangeAspect="1"/>
+          </p:cNvPicPr>
+          <p:nvPr/>
+        </p:nvPicPr>
+        <p:blipFill>
+          <a:blip r:embed="rId5" cstate="print"/>
+          <a:stretch>
+            <a:fillRect/>
+          </a:stretch>
+        </p:blipFill>
+        <p:spPr>
+          <a:xfrm>
+            <a:off x="905256" y="1152144"/>
+            <a:ext cx="7315200" cy="5513694"/>
+          </a:xfrm>
+          <a:prstGeom prst="rect">
+            <a:avLst/>
+          </a:prstGeom>
+        </p:spPr>
+      </p:pic>
+      <p:sp>
+        <p:nvSpPr>
+          <p:cNvPr id="10" name="Oval 9"/>
+          <p:cNvSpPr/>
+          <p:nvPr/>
+        </p:nvSpPr>
+        <p:spPr>
+          <a:xfrm>
+            <a:off x="3532632" y="1752600"/>
+            <a:ext cx="762000" cy="304800"/>
+          </a:xfrm>
+          <a:prstGeom prst="ellipse">
+            <a:avLst/>
+          </a:prstGeom>
+          <a:noFill/>
+          <a:ln>
+            <a:solidFill>
+              <a:srgbClr val="FF0000"/>
+            </a:solidFill>
+          </a:ln>
+        </p:spPr>
+        <p:style>
+          <a:lnRef idx="2">
+            <a:schemeClr val="accent1">
+              <a:shade val="50000"/>
+            </a:schemeClr>
+          </a:lnRef>
+          <a:fillRef idx="1">
+            <a:schemeClr val="accent1"/>
+          </a:fillRef>
+          <a:effectRef idx="0">
+            <a:schemeClr val="accent1"/>
+          </a:effectRef>
+          <a:fontRef idx="minor">
+            <a:schemeClr val="lt1"/>
+          </a:fontRef>
+        </p:style>
+        <p:txBody>
+          <a:bodyPr rtlCol="0" anchor="ctr"/>
+          <a:lstStyle/>
+          <a:p>
+            <a:pPr algn="ctr"/>
+            <a:endParaRPr lang="en-US"/>
           </a:p>
         </p:txBody>
       </p:sp>
@@ -8555,7 +8525,7 @@
                 <a:ea typeface="+mj-ea"/>
                 <a:cs typeface="Times New Roman" pitchFamily="18" charset="0"/>
               </a:rPr>
-              <a:t>Multistage fitting </a:t>
+              <a:t>Calculating PDF from a structure</a:t>
             </a:r>
           </a:p>
         </p:txBody>
@@ -8656,33 +8626,9 @@
           </a:prstGeom>
         </p:spPr>
       </p:pic>
-      <p:pic>
-        <p:nvPicPr>
-          <p:cNvPr id="10" name="Picture 9" descr="fig3-04.png"/>
-          <p:cNvPicPr>
-            <a:picLocks noChangeAspect="1"/>
-          </p:cNvPicPr>
-          <p:nvPr/>
-        </p:nvPicPr>
-        <p:blipFill>
-          <a:blip r:embed="rId6" cstate="print"/>
-          <a:stretch>
-            <a:fillRect/>
-          </a:stretch>
-        </p:blipFill>
-        <p:spPr>
-          <a:xfrm>
-            <a:off x="914400" y="1143000"/>
-            <a:ext cx="7315200" cy="5541540"/>
-          </a:xfrm>
-          <a:prstGeom prst="rect">
-            <a:avLst/>
-          </a:prstGeom>
-        </p:spPr>
-      </p:pic>
       <p:sp>
         <p:nvSpPr>
-          <p:cNvPr id="11" name="Rectangle 3"/>
+          <p:cNvPr id="10" name="Rectangle 3"/>
           <p:cNvSpPr txBox="1">
             <a:spLocks noChangeArrowheads="1"/>
           </p:cNvSpPr>
@@ -8741,7 +8687,7 @@
               </a:tabLst>
             </a:pPr>
             <a:r>
-              <a:rPr lang="en-US" sz="2000" kern="0" noProof="0" dirty="0" smtClean="0">
+              <a:rPr lang="en-US" sz="2000" kern="0" dirty="0" smtClean="0">
                 <a:solidFill>
                   <a:schemeClr val="tx2">
                     <a:lumMod val="50000"/>
@@ -8751,7 +8697,7 @@
                 <a:ea typeface="宋体" pitchFamily="2" charset="-122"/>
                 <a:cs typeface="Times New Roman" pitchFamily="18" charset="0"/>
               </a:rPr>
-              <a:t>Sequential refinement where fits are chronologically linked</a:t>
+              <a:t>An example of the calculation configuration panel.</a:t>
             </a:r>
             <a:endParaRPr kumimoji="0" lang="en-GB" sz="2000" b="1" i="0" u="none" strike="noStrike" kern="0" cap="none" spc="0" normalizeH="0" baseline="0" noProof="0" dirty="0" smtClean="0">
               <a:ln>
@@ -8846,7 +8792,7 @@
                 <a:ea typeface="+mj-ea"/>
                 <a:cs typeface="Times New Roman" pitchFamily="18" charset="0"/>
               </a:rPr>
-              <a:t>Sequential fitting of incremental r-series</a:t>
+              <a:t>Multistage fitting </a:t>
             </a:r>
           </a:p>
         </p:txBody>
@@ -8971,33 +8917,9 @@
           </a:prstGeom>
         </p:spPr>
       </p:pic>
-      <p:pic>
-        <p:nvPicPr>
-          <p:cNvPr id="11" name="Picture 10" descr="fig3-05.png"/>
-          <p:cNvPicPr>
-            <a:picLocks noChangeAspect="1"/>
-          </p:cNvPicPr>
-          <p:nvPr/>
-        </p:nvPicPr>
-        <p:blipFill>
-          <a:blip r:embed="rId7" cstate="print"/>
-          <a:stretch>
-            <a:fillRect/>
-          </a:stretch>
-        </p:blipFill>
-        <p:spPr>
-          <a:xfrm>
-            <a:off x="914399" y="1143000"/>
-            <a:ext cx="7343001" cy="5562600"/>
-          </a:xfrm>
-          <a:prstGeom prst="rect">
-            <a:avLst/>
-          </a:prstGeom>
-        </p:spPr>
-      </p:pic>
       <p:sp>
         <p:nvSpPr>
-          <p:cNvPr id="12" name="Rectangle 3"/>
+          <p:cNvPr id="11" name="Rectangle 3"/>
           <p:cNvSpPr txBox="1">
             <a:spLocks noChangeArrowheads="1"/>
           </p:cNvSpPr>
@@ -9056,7 +8978,7 @@
               </a:tabLst>
             </a:pPr>
             <a:r>
-              <a:rPr lang="en-US" sz="2000" kern="0" dirty="0" smtClean="0">
+              <a:rPr lang="en-US" sz="2000" kern="0" noProof="0" dirty="0" smtClean="0">
                 <a:solidFill>
                   <a:schemeClr val="tx2">
                     <a:lumMod val="50000"/>
@@ -9066,7 +8988,7 @@
                 <a:ea typeface="宋体" pitchFamily="2" charset="-122"/>
                 <a:cs typeface="Times New Roman" pitchFamily="18" charset="0"/>
               </a:rPr>
-              <a:t>Appearance of the setup panel for specifying an incremental r-series fit conditions.</a:t>
+              <a:t>Sequential refinement where fits are chronologically linked</a:t>
             </a:r>
             <a:endParaRPr kumimoji="0" lang="en-GB" sz="2000" b="1" i="0" u="none" strike="noStrike" kern="0" cap="none" spc="0" normalizeH="0" baseline="0" noProof="0" dirty="0" smtClean="0">
               <a:ln>
@@ -9161,7 +9083,7 @@
                 <a:ea typeface="+mj-ea"/>
                 <a:cs typeface="Times New Roman" pitchFamily="18" charset="0"/>
               </a:rPr>
-              <a:t>Sequential fitting of temperature series</a:t>
+              <a:t>Sequential fitting of incremental r-series</a:t>
             </a:r>
           </a:p>
         </p:txBody>
@@ -9310,33 +9232,9 @@
           </a:prstGeom>
         </p:spPr>
       </p:pic>
-      <p:pic>
-        <p:nvPicPr>
-          <p:cNvPr id="12" name="Picture 11" descr="fig3-06.png"/>
-          <p:cNvPicPr>
-            <a:picLocks noChangeAspect="1"/>
-          </p:cNvPicPr>
-          <p:nvPr/>
-        </p:nvPicPr>
-        <p:blipFill>
-          <a:blip r:embed="rId8" cstate="print"/>
-          <a:stretch>
-            <a:fillRect/>
-          </a:stretch>
-        </p:blipFill>
-        <p:spPr>
-          <a:xfrm>
-            <a:off x="914400" y="1131570"/>
-            <a:ext cx="7358089" cy="5574030"/>
-          </a:xfrm>
-          <a:prstGeom prst="rect">
-            <a:avLst/>
-          </a:prstGeom>
-        </p:spPr>
-      </p:pic>
       <p:sp>
         <p:nvSpPr>
-          <p:cNvPr id="13" name="Rectangle 3"/>
+          <p:cNvPr id="12" name="Rectangle 3"/>
           <p:cNvSpPr txBox="1">
             <a:spLocks noChangeArrowheads="1"/>
           </p:cNvSpPr>
@@ -9405,33 +9303,7 @@
                 <a:ea typeface="宋体" pitchFamily="2" charset="-122"/>
                 <a:cs typeface="Times New Roman" pitchFamily="18" charset="0"/>
               </a:rPr>
-              <a:t>Setting up a T-series sequential refinement for LaMnO</a:t>
-            </a:r>
-            <a:r>
-              <a:rPr lang="en-US" sz="2000" kern="0" baseline="-25000" dirty="0" smtClean="0">
-                <a:solidFill>
-                  <a:schemeClr val="tx2">
-                    <a:lumMod val="50000"/>
-                  </a:schemeClr>
-                </a:solidFill>
-                <a:latin typeface="Times New Roman" pitchFamily="18" charset="0"/>
-                <a:ea typeface="宋体" pitchFamily="2" charset="-122"/>
-                <a:cs typeface="Times New Roman" pitchFamily="18" charset="0"/>
-              </a:rPr>
-              <a:t>3</a:t>
-            </a:r>
-            <a:r>
-              <a:rPr lang="en-US" sz="2000" kern="0" dirty="0" smtClean="0">
-                <a:solidFill>
-                  <a:schemeClr val="tx2">
-                    <a:lumMod val="50000"/>
-                  </a:schemeClr>
-                </a:solidFill>
-                <a:latin typeface="Times New Roman" pitchFamily="18" charset="0"/>
-                <a:ea typeface="宋体" pitchFamily="2" charset="-122"/>
-                <a:cs typeface="Times New Roman" pitchFamily="18" charset="0"/>
-              </a:rPr>
-              <a:t>. </a:t>
+              <a:t>Appearance of the setup panel for specifying an incremental r-series fit conditions.</a:t>
             </a:r>
             <a:endParaRPr kumimoji="0" lang="en-GB" sz="2000" b="1" i="0" u="none" strike="noStrike" kern="0" cap="none" spc="0" normalizeH="0" baseline="0" noProof="0" dirty="0" smtClean="0">
               <a:ln>
@@ -9441,94 +9313,6 @@
                 <a:schemeClr val="tx2">
                   <a:lumMod val="50000"/>
                 </a:schemeClr>
-              </a:solidFill>
-              <a:effectLst/>
-              <a:uLnTx/>
-              <a:uFillTx/>
-              <a:latin typeface="Times New Roman" pitchFamily="18" charset="0"/>
-              <a:ea typeface="宋体" pitchFamily="2" charset="-122"/>
-              <a:cs typeface="Times New Roman" pitchFamily="18" charset="0"/>
-            </a:endParaRPr>
-          </a:p>
-        </p:txBody>
-      </p:sp>
-      <p:sp>
-        <p:nvSpPr>
-          <p:cNvPr id="15" name="Rectangle 3"/>
-          <p:cNvSpPr txBox="1">
-            <a:spLocks noChangeArrowheads="1"/>
-          </p:cNvSpPr>
-          <p:nvPr/>
-        </p:nvSpPr>
-        <p:spPr bwMode="auto">
-          <a:xfrm>
-            <a:off x="0" y="6172200"/>
-            <a:ext cx="9144000" cy="304800"/>
-          </a:xfrm>
-          <a:prstGeom prst="rect">
-            <a:avLst/>
-          </a:prstGeom>
-          <a:noFill/>
-          <a:ln w="9525">
-            <a:noFill/>
-            <a:miter lim="800000"/>
-            <a:headEnd/>
-            <a:tailEnd/>
-          </a:ln>
-          <a:effectLst/>
-        </p:spPr>
-        <p:txBody>
-          <a:bodyPr vert="horz" wrap="square" lIns="90000" tIns="46800" rIns="90000" bIns="46800" numCol="1" anchor="t" anchorCtr="0" compatLnSpc="1">
-            <a:prstTxWarp prst="textNoShape">
-              <a:avLst/>
-            </a:prstTxWarp>
-          </a:bodyPr>
-          <a:lstStyle/>
-          <a:p>
-            <a:pPr marL="223838" lvl="0" indent="-223838" algn="ctr" defTabSz="457200" fontAlgn="base">
-              <a:spcBef>
-                <a:spcPct val="10000"/>
-              </a:spcBef>
-              <a:spcAft>
-                <a:spcPct val="0"/>
-              </a:spcAft>
-              <a:buClr>
-                <a:schemeClr val="tx2">
-                  <a:lumMod val="50000"/>
-                </a:schemeClr>
-              </a:buClr>
-              <a:buSzPct val="75000"/>
-              <a:tabLst>
-                <a:tab pos="911225" algn="l"/>
-                <a:tab pos="1825625" algn="l"/>
-                <a:tab pos="2740025" algn="l"/>
-                <a:tab pos="3654425" algn="l"/>
-                <a:tab pos="4568825" algn="l"/>
-                <a:tab pos="5483225" algn="l"/>
-                <a:tab pos="6397625" algn="l"/>
-                <a:tab pos="7312025" algn="l"/>
-                <a:tab pos="8226425" algn="l"/>
-                <a:tab pos="9140825" algn="l"/>
-                <a:tab pos="10055225" algn="l"/>
-              </a:tabLst>
-            </a:pPr>
-            <a:r>
-              <a:rPr lang="en-US" sz="2000" kern="0" dirty="0" smtClean="0">
-                <a:solidFill>
-                  <a:srgbClr val="FF0000"/>
-                </a:solidFill>
-                <a:latin typeface="Times New Roman" pitchFamily="18" charset="0"/>
-                <a:ea typeface="宋体" pitchFamily="2" charset="-122"/>
-                <a:cs typeface="Times New Roman" pitchFamily="18" charset="0"/>
-              </a:rPr>
-              <a:t>Ordering by temperature will ensure that the fits are linked correctly.</a:t>
-            </a:r>
-            <a:endParaRPr kumimoji="0" lang="en-GB" sz="2000" b="1" i="0" u="none" strike="noStrike" kern="0" cap="none" spc="0" normalizeH="0" baseline="0" noProof="0" dirty="0" smtClean="0">
-              <a:ln>
-                <a:noFill/>
-              </a:ln>
-              <a:solidFill>
-                <a:srgbClr val="FF0000"/>
               </a:solidFill>
               <a:effectLst/>
               <a:uLnTx/>
@@ -9611,6 +9395,7 @@
                   <a:schemeClr val="bg1"/>
                 </a:solidFill>
                 <a:latin typeface="Times New Roman" pitchFamily="18" charset="0"/>
+                <a:ea typeface="+mj-ea"/>
                 <a:cs typeface="Times New Roman" pitchFamily="18" charset="0"/>
               </a:rPr>
               <a:t>Sequential fitting of temperature series</a:t>
@@ -9786,33 +9571,9 @@
           </a:prstGeom>
         </p:spPr>
       </p:pic>
-      <p:pic>
-        <p:nvPicPr>
-          <p:cNvPr id="13" name="Picture 12" descr="fig3-07.png"/>
-          <p:cNvPicPr>
-            <a:picLocks noChangeAspect="1"/>
-          </p:cNvPicPr>
-          <p:nvPr/>
-        </p:nvPicPr>
-        <p:blipFill>
-          <a:blip r:embed="rId9" cstate="print"/>
-          <a:stretch>
-            <a:fillRect/>
-          </a:stretch>
-        </p:blipFill>
-        <p:spPr>
-          <a:xfrm>
-            <a:off x="914400" y="1143000"/>
-            <a:ext cx="7361725" cy="5562600"/>
-          </a:xfrm>
-          <a:prstGeom prst="rect">
-            <a:avLst/>
-          </a:prstGeom>
-        </p:spPr>
-      </p:pic>
       <p:sp>
         <p:nvSpPr>
-          <p:cNvPr id="15" name="Rectangle 3"/>
+          <p:cNvPr id="13" name="Rectangle 3"/>
           <p:cNvSpPr txBox="1">
             <a:spLocks noChangeArrowheads="1"/>
           </p:cNvSpPr>
@@ -9881,7 +9642,33 @@
                 <a:ea typeface="宋体" pitchFamily="2" charset="-122"/>
                 <a:cs typeface="Times New Roman" pitchFamily="18" charset="0"/>
               </a:rPr>
-              <a:t>Displaying refinement results as a function of external parameter: T-series refinement</a:t>
+              <a:t>Setting up a T-series sequential refinement for LaMnO</a:t>
+            </a:r>
+            <a:r>
+              <a:rPr lang="en-US" sz="2000" kern="0" baseline="-25000" dirty="0" smtClean="0">
+                <a:solidFill>
+                  <a:schemeClr val="tx2">
+                    <a:lumMod val="50000"/>
+                  </a:schemeClr>
+                </a:solidFill>
+                <a:latin typeface="Times New Roman" pitchFamily="18" charset="0"/>
+                <a:ea typeface="宋体" pitchFamily="2" charset="-122"/>
+                <a:cs typeface="Times New Roman" pitchFamily="18" charset="0"/>
+              </a:rPr>
+              <a:t>3</a:t>
+            </a:r>
+            <a:r>
+              <a:rPr lang="en-US" sz="2000" kern="0" dirty="0" smtClean="0">
+                <a:solidFill>
+                  <a:schemeClr val="tx2">
+                    <a:lumMod val="50000"/>
+                  </a:schemeClr>
+                </a:solidFill>
+                <a:latin typeface="Times New Roman" pitchFamily="18" charset="0"/>
+                <a:ea typeface="宋体" pitchFamily="2" charset="-122"/>
+                <a:cs typeface="Times New Roman" pitchFamily="18" charset="0"/>
+              </a:rPr>
+              <a:t>. </a:t>
             </a:r>
             <a:endParaRPr kumimoji="0" lang="en-GB" sz="2000" b="1" i="0" u="none" strike="noStrike" kern="0" cap="none" spc="0" normalizeH="0" baseline="0" noProof="0" dirty="0" smtClean="0">
               <a:ln>
@@ -9891,6 +9678,94 @@
                 <a:schemeClr val="tx2">
                   <a:lumMod val="50000"/>
                 </a:schemeClr>
+              </a:solidFill>
+              <a:effectLst/>
+              <a:uLnTx/>
+              <a:uFillTx/>
+              <a:latin typeface="Times New Roman" pitchFamily="18" charset="0"/>
+              <a:ea typeface="宋体" pitchFamily="2" charset="-122"/>
+              <a:cs typeface="Times New Roman" pitchFamily="18" charset="0"/>
+            </a:endParaRPr>
+          </a:p>
+        </p:txBody>
+      </p:sp>
+      <p:sp>
+        <p:nvSpPr>
+          <p:cNvPr id="15" name="Rectangle 3"/>
+          <p:cNvSpPr txBox="1">
+            <a:spLocks noChangeArrowheads="1"/>
+          </p:cNvSpPr>
+          <p:nvPr/>
+        </p:nvSpPr>
+        <p:spPr bwMode="auto">
+          <a:xfrm>
+            <a:off x="0" y="6172200"/>
+            <a:ext cx="9144000" cy="304800"/>
+          </a:xfrm>
+          <a:prstGeom prst="rect">
+            <a:avLst/>
+          </a:prstGeom>
+          <a:noFill/>
+          <a:ln w="9525">
+            <a:noFill/>
+            <a:miter lim="800000"/>
+            <a:headEnd/>
+            <a:tailEnd/>
+          </a:ln>
+          <a:effectLst/>
+        </p:spPr>
+        <p:txBody>
+          <a:bodyPr vert="horz" wrap="square" lIns="90000" tIns="46800" rIns="90000" bIns="46800" numCol="1" anchor="t" anchorCtr="0" compatLnSpc="1">
+            <a:prstTxWarp prst="textNoShape">
+              <a:avLst/>
+            </a:prstTxWarp>
+          </a:bodyPr>
+          <a:lstStyle/>
+          <a:p>
+            <a:pPr marL="223838" lvl="0" indent="-223838" algn="ctr" defTabSz="457200" fontAlgn="base">
+              <a:spcBef>
+                <a:spcPct val="10000"/>
+              </a:spcBef>
+              <a:spcAft>
+                <a:spcPct val="0"/>
+              </a:spcAft>
+              <a:buClr>
+                <a:schemeClr val="tx2">
+                  <a:lumMod val="50000"/>
+                </a:schemeClr>
+              </a:buClr>
+              <a:buSzPct val="75000"/>
+              <a:tabLst>
+                <a:tab pos="911225" algn="l"/>
+                <a:tab pos="1825625" algn="l"/>
+                <a:tab pos="2740025" algn="l"/>
+                <a:tab pos="3654425" algn="l"/>
+                <a:tab pos="4568825" algn="l"/>
+                <a:tab pos="5483225" algn="l"/>
+                <a:tab pos="6397625" algn="l"/>
+                <a:tab pos="7312025" algn="l"/>
+                <a:tab pos="8226425" algn="l"/>
+                <a:tab pos="9140825" algn="l"/>
+                <a:tab pos="10055225" algn="l"/>
+              </a:tabLst>
+            </a:pPr>
+            <a:r>
+              <a:rPr lang="en-US" sz="2000" kern="0" dirty="0" smtClean="0">
+                <a:solidFill>
+                  <a:srgbClr val="FF0000"/>
+                </a:solidFill>
+                <a:latin typeface="Times New Roman" pitchFamily="18" charset="0"/>
+                <a:ea typeface="宋体" pitchFamily="2" charset="-122"/>
+                <a:cs typeface="Times New Roman" pitchFamily="18" charset="0"/>
+              </a:rPr>
+              <a:t>Ordering by temperature will ensure that the fits are linked correctly.</a:t>
+            </a:r>
+            <a:endParaRPr kumimoji="0" lang="en-GB" sz="2000" b="1" i="0" u="none" strike="noStrike" kern="0" cap="none" spc="0" normalizeH="0" baseline="0" noProof="0" dirty="0" smtClean="0">
+              <a:ln>
+                <a:noFill/>
+              </a:ln>
+              <a:solidFill>
+                <a:srgbClr val="FF0000"/>
               </a:solidFill>
               <a:effectLst/>
               <a:uLnTx/>
@@ -9973,10 +9848,9 @@
                   <a:schemeClr val="bg1"/>
                 </a:solidFill>
                 <a:latin typeface="Times New Roman" pitchFamily="18" charset="0"/>
-                <a:ea typeface="+mj-ea"/>
                 <a:cs typeface="Times New Roman" pitchFamily="18" charset="0"/>
               </a:rPr>
-              <a:t>Sequential fitting of doping series </a:t>
+              <a:t>Sequential fitting of temperature series</a:t>
             </a:r>
           </a:p>
         </p:txBody>
@@ -10173,33 +10047,9 @@
           </a:prstGeom>
         </p:spPr>
       </p:pic>
-      <p:pic>
-        <p:nvPicPr>
-          <p:cNvPr id="15" name="Picture 14" descr="fig3-08.png"/>
-          <p:cNvPicPr>
-            <a:picLocks noChangeAspect="1"/>
-          </p:cNvPicPr>
-          <p:nvPr/>
-        </p:nvPicPr>
-        <p:blipFill>
-          <a:blip r:embed="rId10" cstate="print"/>
-          <a:stretch>
-            <a:fillRect/>
-          </a:stretch>
-        </p:blipFill>
-        <p:spPr>
-          <a:xfrm>
-            <a:off x="914399" y="1131570"/>
-            <a:ext cx="7358089" cy="5574030"/>
-          </a:xfrm>
-          <a:prstGeom prst="rect">
-            <a:avLst/>
-          </a:prstGeom>
-        </p:spPr>
-      </p:pic>
       <p:sp>
         <p:nvSpPr>
-          <p:cNvPr id="16" name="Rectangle 3"/>
+          <p:cNvPr id="15" name="Rectangle 3"/>
           <p:cNvSpPr txBox="1">
             <a:spLocks noChangeArrowheads="1"/>
           </p:cNvSpPr>
@@ -10268,33 +10118,7 @@
                 <a:ea typeface="宋体" pitchFamily="2" charset="-122"/>
                 <a:cs typeface="Times New Roman" pitchFamily="18" charset="0"/>
               </a:rPr>
-              <a:t>Loading of the Ca-doping data series of LaMnO</a:t>
-            </a:r>
-            <a:r>
-              <a:rPr lang="en-US" sz="2000" kern="0" baseline="-25000" dirty="0" smtClean="0">
-                <a:solidFill>
-                  <a:schemeClr val="tx2">
-                    <a:lumMod val="50000"/>
-                  </a:schemeClr>
-                </a:solidFill>
-                <a:latin typeface="Times New Roman" pitchFamily="18" charset="0"/>
-                <a:ea typeface="宋体" pitchFamily="2" charset="-122"/>
-                <a:cs typeface="Times New Roman" pitchFamily="18" charset="0"/>
-              </a:rPr>
-              <a:t>3</a:t>
-            </a:r>
-            <a:r>
-              <a:rPr lang="en-US" sz="2000" kern="0" dirty="0" smtClean="0">
-                <a:solidFill>
-                  <a:schemeClr val="tx2">
-                    <a:lumMod val="50000"/>
-                  </a:schemeClr>
-                </a:solidFill>
-                <a:latin typeface="Times New Roman" pitchFamily="18" charset="0"/>
-                <a:ea typeface="宋体" pitchFamily="2" charset="-122"/>
-                <a:cs typeface="Times New Roman" pitchFamily="18" charset="0"/>
-              </a:rPr>
-              <a:t> system.</a:t>
+              <a:t>Displaying refinement results as a function of external parameter: T-series refinement</a:t>
             </a:r>
             <a:endParaRPr kumimoji="0" lang="en-GB" sz="2000" b="1" i="0" u="none" strike="noStrike" kern="0" cap="none" spc="0" normalizeH="0" baseline="0" noProof="0" dirty="0" smtClean="0">
               <a:ln>
@@ -10304,94 +10128,6 @@
                 <a:schemeClr val="tx2">
                   <a:lumMod val="50000"/>
                 </a:schemeClr>
-              </a:solidFill>
-              <a:effectLst/>
-              <a:uLnTx/>
-              <a:uFillTx/>
-              <a:latin typeface="Times New Roman" pitchFamily="18" charset="0"/>
-              <a:ea typeface="宋体" pitchFamily="2" charset="-122"/>
-              <a:cs typeface="Times New Roman" pitchFamily="18" charset="0"/>
-            </a:endParaRPr>
-          </a:p>
-        </p:txBody>
-      </p:sp>
-      <p:sp>
-        <p:nvSpPr>
-          <p:cNvPr id="17" name="Rectangle 3"/>
-          <p:cNvSpPr txBox="1">
-            <a:spLocks noChangeArrowheads="1"/>
-          </p:cNvSpPr>
-          <p:nvPr/>
-        </p:nvSpPr>
-        <p:spPr bwMode="auto">
-          <a:xfrm>
-            <a:off x="0" y="6172200"/>
-            <a:ext cx="9144000" cy="304800"/>
-          </a:xfrm>
-          <a:prstGeom prst="rect">
-            <a:avLst/>
-          </a:prstGeom>
-          <a:noFill/>
-          <a:ln w="9525">
-            <a:noFill/>
-            <a:miter lim="800000"/>
-            <a:headEnd/>
-            <a:tailEnd/>
-          </a:ln>
-          <a:effectLst/>
-        </p:spPr>
-        <p:txBody>
-          <a:bodyPr vert="horz" wrap="square" lIns="90000" tIns="46800" rIns="90000" bIns="46800" numCol="1" anchor="t" anchorCtr="0" compatLnSpc="1">
-            <a:prstTxWarp prst="textNoShape">
-              <a:avLst/>
-            </a:prstTxWarp>
-          </a:bodyPr>
-          <a:lstStyle/>
-          <a:p>
-            <a:pPr marL="223838" lvl="0" indent="-223838" algn="ctr" defTabSz="457200" fontAlgn="base">
-              <a:spcBef>
-                <a:spcPct val="10000"/>
-              </a:spcBef>
-              <a:spcAft>
-                <a:spcPct val="0"/>
-              </a:spcAft>
-              <a:buClr>
-                <a:schemeClr val="tx2">
-                  <a:lumMod val="50000"/>
-                </a:schemeClr>
-              </a:buClr>
-              <a:buSzPct val="75000"/>
-              <a:tabLst>
-                <a:tab pos="911225" algn="l"/>
-                <a:tab pos="1825625" algn="l"/>
-                <a:tab pos="2740025" algn="l"/>
-                <a:tab pos="3654425" algn="l"/>
-                <a:tab pos="4568825" algn="l"/>
-                <a:tab pos="5483225" algn="l"/>
-                <a:tab pos="6397625" algn="l"/>
-                <a:tab pos="7312025" algn="l"/>
-                <a:tab pos="8226425" algn="l"/>
-                <a:tab pos="9140825" algn="l"/>
-                <a:tab pos="10055225" algn="l"/>
-              </a:tabLst>
-            </a:pPr>
-            <a:r>
-              <a:rPr lang="en-US" sz="2000" kern="0" dirty="0" smtClean="0">
-                <a:solidFill>
-                  <a:srgbClr val="FF0000"/>
-                </a:solidFill>
-                <a:latin typeface="Times New Roman" pitchFamily="18" charset="0"/>
-                <a:ea typeface="宋体" pitchFamily="2" charset="-122"/>
-                <a:cs typeface="Times New Roman" pitchFamily="18" charset="0"/>
-              </a:rPr>
-              <a:t>Verify that proper doping assignment was carried out!</a:t>
-            </a:r>
-            <a:endParaRPr kumimoji="0" lang="en-GB" sz="2000" b="1" i="0" u="none" strike="noStrike" kern="0" cap="none" spc="0" normalizeH="0" baseline="0" noProof="0" dirty="0" smtClean="0">
-              <a:ln>
-                <a:noFill/>
-              </a:ln>
-              <a:solidFill>
-                <a:srgbClr val="FF0000"/>
               </a:solidFill>
               <a:effectLst/>
               <a:uLnTx/>
@@ -10474,6 +10210,7 @@
                   <a:schemeClr val="bg1"/>
                 </a:solidFill>
                 <a:latin typeface="Times New Roman" pitchFamily="18" charset="0"/>
+                <a:ea typeface="+mj-ea"/>
                 <a:cs typeface="Times New Roman" pitchFamily="18" charset="0"/>
               </a:rPr>
               <a:t>Sequential fitting of doping series </a:t>
@@ -10697,33 +10434,9 @@
           </a:prstGeom>
         </p:spPr>
       </p:pic>
-      <p:pic>
-        <p:nvPicPr>
-          <p:cNvPr id="17" name="Picture 16" descr="fig3-09.png"/>
-          <p:cNvPicPr>
-            <a:picLocks noChangeAspect="1"/>
-          </p:cNvPicPr>
-          <p:nvPr/>
-        </p:nvPicPr>
-        <p:blipFill>
-          <a:blip r:embed="rId11" cstate="print"/>
-          <a:stretch>
-            <a:fillRect/>
-          </a:stretch>
-        </p:blipFill>
-        <p:spPr>
-          <a:xfrm>
-            <a:off x="914401" y="1143000"/>
-            <a:ext cx="7391399" cy="5585022"/>
-          </a:xfrm>
-          <a:prstGeom prst="rect">
-            <a:avLst/>
-          </a:prstGeom>
-        </p:spPr>
-      </p:pic>
       <p:sp>
         <p:nvSpPr>
-          <p:cNvPr id="18" name="Rectangle 3"/>
+          <p:cNvPr id="16" name="Rectangle 3"/>
           <p:cNvSpPr txBox="1">
             <a:spLocks noChangeArrowheads="1"/>
           </p:cNvSpPr>
@@ -10782,19 +10495,6 @@
               </a:tabLst>
             </a:pPr>
             <a:r>
-              <a:rPr lang="en-US" kern="0" dirty="0" smtClean="0">
-                <a:solidFill>
-                  <a:schemeClr val="tx2">
-                    <a:lumMod val="50000"/>
-                  </a:schemeClr>
-                </a:solidFill>
-                <a:latin typeface="Times New Roman" pitchFamily="18" charset="0"/>
-                <a:ea typeface="宋体" pitchFamily="2" charset="-122"/>
-                <a:cs typeface="Times New Roman" pitchFamily="18" charset="0"/>
-              </a:rPr>
-              <a:t>Displaying refinement results as a function of external parameter: </a:t>
-            </a:r>
-            <a:r>
               <a:rPr lang="en-US" sz="2000" kern="0" dirty="0" smtClean="0">
                 <a:solidFill>
                   <a:schemeClr val="tx2">
@@ -10805,7 +10505,33 @@
                 <a:ea typeface="宋体" pitchFamily="2" charset="-122"/>
                 <a:cs typeface="Times New Roman" pitchFamily="18" charset="0"/>
               </a:rPr>
-              <a:t>doping series refinement</a:t>
+              <a:t>Loading of the Ca-doping data series of LaMnO</a:t>
+            </a:r>
+            <a:r>
+              <a:rPr lang="en-US" sz="2000" kern="0" baseline="-25000" dirty="0" smtClean="0">
+                <a:solidFill>
+                  <a:schemeClr val="tx2">
+                    <a:lumMod val="50000"/>
+                  </a:schemeClr>
+                </a:solidFill>
+                <a:latin typeface="Times New Roman" pitchFamily="18" charset="0"/>
+                <a:ea typeface="宋体" pitchFamily="2" charset="-122"/>
+                <a:cs typeface="Times New Roman" pitchFamily="18" charset="0"/>
+              </a:rPr>
+              <a:t>3</a:t>
+            </a:r>
+            <a:r>
+              <a:rPr lang="en-US" sz="2000" kern="0" dirty="0" smtClean="0">
+                <a:solidFill>
+                  <a:schemeClr val="tx2">
+                    <a:lumMod val="50000"/>
+                  </a:schemeClr>
+                </a:solidFill>
+                <a:latin typeface="Times New Roman" pitchFamily="18" charset="0"/>
+                <a:ea typeface="宋体" pitchFamily="2" charset="-122"/>
+                <a:cs typeface="Times New Roman" pitchFamily="18" charset="0"/>
+              </a:rPr>
+              <a:t> system.</a:t>
             </a:r>
             <a:endParaRPr kumimoji="0" lang="en-GB" sz="2000" b="1" i="0" u="none" strike="noStrike" kern="0" cap="none" spc="0" normalizeH="0" baseline="0" noProof="0" dirty="0" smtClean="0">
               <a:ln>
@@ -10815,6 +10541,94 @@
                 <a:schemeClr val="tx2">
                   <a:lumMod val="50000"/>
                 </a:schemeClr>
+              </a:solidFill>
+              <a:effectLst/>
+              <a:uLnTx/>
+              <a:uFillTx/>
+              <a:latin typeface="Times New Roman" pitchFamily="18" charset="0"/>
+              <a:ea typeface="宋体" pitchFamily="2" charset="-122"/>
+              <a:cs typeface="Times New Roman" pitchFamily="18" charset="0"/>
+            </a:endParaRPr>
+          </a:p>
+        </p:txBody>
+      </p:sp>
+      <p:sp>
+        <p:nvSpPr>
+          <p:cNvPr id="17" name="Rectangle 3"/>
+          <p:cNvSpPr txBox="1">
+            <a:spLocks noChangeArrowheads="1"/>
+          </p:cNvSpPr>
+          <p:nvPr/>
+        </p:nvSpPr>
+        <p:spPr bwMode="auto">
+          <a:xfrm>
+            <a:off x="0" y="6172200"/>
+            <a:ext cx="9144000" cy="304800"/>
+          </a:xfrm>
+          <a:prstGeom prst="rect">
+            <a:avLst/>
+          </a:prstGeom>
+          <a:noFill/>
+          <a:ln w="9525">
+            <a:noFill/>
+            <a:miter lim="800000"/>
+            <a:headEnd/>
+            <a:tailEnd/>
+          </a:ln>
+          <a:effectLst/>
+        </p:spPr>
+        <p:txBody>
+          <a:bodyPr vert="horz" wrap="square" lIns="90000" tIns="46800" rIns="90000" bIns="46800" numCol="1" anchor="t" anchorCtr="0" compatLnSpc="1">
+            <a:prstTxWarp prst="textNoShape">
+              <a:avLst/>
+            </a:prstTxWarp>
+          </a:bodyPr>
+          <a:lstStyle/>
+          <a:p>
+            <a:pPr marL="223838" lvl="0" indent="-223838" algn="ctr" defTabSz="457200" fontAlgn="base">
+              <a:spcBef>
+                <a:spcPct val="10000"/>
+              </a:spcBef>
+              <a:spcAft>
+                <a:spcPct val="0"/>
+              </a:spcAft>
+              <a:buClr>
+                <a:schemeClr val="tx2">
+                  <a:lumMod val="50000"/>
+                </a:schemeClr>
+              </a:buClr>
+              <a:buSzPct val="75000"/>
+              <a:tabLst>
+                <a:tab pos="911225" algn="l"/>
+                <a:tab pos="1825625" algn="l"/>
+                <a:tab pos="2740025" algn="l"/>
+                <a:tab pos="3654425" algn="l"/>
+                <a:tab pos="4568825" algn="l"/>
+                <a:tab pos="5483225" algn="l"/>
+                <a:tab pos="6397625" algn="l"/>
+                <a:tab pos="7312025" algn="l"/>
+                <a:tab pos="8226425" algn="l"/>
+                <a:tab pos="9140825" algn="l"/>
+                <a:tab pos="10055225" algn="l"/>
+              </a:tabLst>
+            </a:pPr>
+            <a:r>
+              <a:rPr lang="en-US" sz="2000" kern="0" dirty="0" smtClean="0">
+                <a:solidFill>
+                  <a:srgbClr val="FF0000"/>
+                </a:solidFill>
+                <a:latin typeface="Times New Roman" pitchFamily="18" charset="0"/>
+                <a:ea typeface="宋体" pitchFamily="2" charset="-122"/>
+                <a:cs typeface="Times New Roman" pitchFamily="18" charset="0"/>
+              </a:rPr>
+              <a:t>Verify that proper doping assignment was carried out!</a:t>
+            </a:r>
+            <a:endParaRPr kumimoji="0" lang="en-GB" sz="2000" b="1" i="0" u="none" strike="noStrike" kern="0" cap="none" spc="0" normalizeH="0" baseline="0" noProof="0" dirty="0" smtClean="0">
+              <a:ln>
+                <a:noFill/>
+              </a:ln>
+              <a:solidFill>
+                <a:srgbClr val="FF0000"/>
               </a:solidFill>
               <a:effectLst/>
               <a:uLnTx/>
@@ -10892,26 +10706,14 @@
               </a:spcBef>
             </a:pPr>
             <a:r>
-              <a:rPr lang="en-US" sz="2800" b="1" dirty="0" err="1" smtClean="0">
-                <a:solidFill>
-                  <a:schemeClr val="bg1"/>
-                </a:solidFill>
-                <a:latin typeface="Times New Roman" pitchFamily="18" charset="0"/>
-                <a:ea typeface="+mj-ea"/>
-                <a:cs typeface="Times New Roman" pitchFamily="18" charset="0"/>
-              </a:rPr>
-              <a:t>Nanoparticle</a:t>
-            </a:r>
-            <a:r>
               <a:rPr lang="en-US" sz="2800" b="1" dirty="0" smtClean="0">
                 <a:solidFill>
                   <a:schemeClr val="bg1"/>
                 </a:solidFill>
                 <a:latin typeface="Times New Roman" pitchFamily="18" charset="0"/>
-                <a:ea typeface="+mj-ea"/>
                 <a:cs typeface="Times New Roman" pitchFamily="18" charset="0"/>
               </a:rPr>
-              <a:t> structure</a:t>
+              <a:t>Sequential fitting of doping series </a:t>
             </a:r>
           </a:p>
         </p:txBody>
@@ -11150,30 +10952,6 @@
           <a:xfrm>
             <a:off x="914401" y="1143000"/>
             <a:ext cx="7391399" cy="5585022"/>
-          </a:xfrm>
-          <a:prstGeom prst="rect">
-            <a:avLst/>
-          </a:prstGeom>
-        </p:spPr>
-      </p:pic>
-      <p:pic>
-        <p:nvPicPr>
-          <p:cNvPr id="16" name="Picture 15" descr="fig3-10.png"/>
-          <p:cNvPicPr>
-            <a:picLocks noChangeAspect="1"/>
-          </p:cNvPicPr>
-          <p:nvPr/>
-        </p:nvPicPr>
-        <p:blipFill>
-          <a:blip r:embed="rId12" cstate="print"/>
-          <a:stretch>
-            <a:fillRect/>
-          </a:stretch>
-        </p:blipFill>
-        <p:spPr>
-          <a:xfrm>
-            <a:off x="914399" y="1143000"/>
-            <a:ext cx="7391401" cy="5603456"/>
           </a:xfrm>
           <a:prstGeom prst="rect">
             <a:avLst/>
@@ -11251,10 +11029,10 @@
                 <a:ea typeface="宋体" pitchFamily="2" charset="-122"/>
                 <a:cs typeface="Times New Roman" pitchFamily="18" charset="0"/>
               </a:rPr>
-              <a:t>Fitting the structure of a </a:t>
-            </a:r>
-            <a:r>
-              <a:rPr lang="en-US" kern="0" dirty="0" err="1" smtClean="0">
+              <a:t>Displaying refinement results as a function of external parameter: </a:t>
+            </a:r>
+            <a:r>
+              <a:rPr lang="en-US" sz="2000" kern="0" dirty="0" smtClean="0">
                 <a:solidFill>
                   <a:schemeClr val="tx2">
                     <a:lumMod val="50000"/>
@@ -11264,72 +11042,7 @@
                 <a:ea typeface="宋体" pitchFamily="2" charset="-122"/>
                 <a:cs typeface="Times New Roman" pitchFamily="18" charset="0"/>
               </a:rPr>
-              <a:t>nanoparticle</a:t>
-            </a:r>
-            <a:r>
-              <a:rPr lang="en-US" kern="0" dirty="0" smtClean="0">
-                <a:solidFill>
-                  <a:schemeClr val="tx2">
-                    <a:lumMod val="50000"/>
-                  </a:schemeClr>
-                </a:solidFill>
-                <a:latin typeface="Times New Roman" pitchFamily="18" charset="0"/>
-                <a:ea typeface="宋体" pitchFamily="2" charset="-122"/>
-                <a:cs typeface="Times New Roman" pitchFamily="18" charset="0"/>
-              </a:rPr>
-              <a:t>: 3nm </a:t>
-            </a:r>
-            <a:r>
-              <a:rPr lang="en-US" kern="0" dirty="0" err="1" smtClean="0">
-                <a:solidFill>
-                  <a:schemeClr val="tx2">
-                    <a:lumMod val="50000"/>
-                  </a:schemeClr>
-                </a:solidFill>
-                <a:latin typeface="Times New Roman" pitchFamily="18" charset="0"/>
-                <a:ea typeface="宋体" pitchFamily="2" charset="-122"/>
-                <a:cs typeface="Times New Roman" pitchFamily="18" charset="0"/>
-              </a:rPr>
-              <a:t>CdSe</a:t>
-            </a:r>
-            <a:r>
-              <a:rPr lang="en-US" kern="0" dirty="0" smtClean="0">
-                <a:solidFill>
-                  <a:schemeClr val="tx2">
-                    <a:lumMod val="50000"/>
-                  </a:schemeClr>
-                </a:solidFill>
-                <a:latin typeface="Times New Roman" pitchFamily="18" charset="0"/>
-                <a:ea typeface="宋体" pitchFamily="2" charset="-122"/>
-                <a:cs typeface="Times New Roman" pitchFamily="18" charset="0"/>
-              </a:rPr>
-              <a:t> </a:t>
-            </a:r>
-            <a:r>
-              <a:rPr lang="en-US" kern="0" dirty="0" err="1" smtClean="0">
-                <a:solidFill>
-                  <a:schemeClr val="tx2">
-                    <a:lumMod val="50000"/>
-                  </a:schemeClr>
-                </a:solidFill>
-                <a:latin typeface="Times New Roman" pitchFamily="18" charset="0"/>
-                <a:ea typeface="宋体" pitchFamily="2" charset="-122"/>
-                <a:cs typeface="Times New Roman" pitchFamily="18" charset="0"/>
-              </a:rPr>
-              <a:t>nanoparticle</a:t>
-            </a:r>
-            <a:r>
-              <a:rPr lang="en-US" kern="0" dirty="0" smtClean="0">
-                <a:solidFill>
-                  <a:schemeClr val="tx2">
-                    <a:lumMod val="50000"/>
-                  </a:schemeClr>
-                </a:solidFill>
-                <a:latin typeface="Times New Roman" pitchFamily="18" charset="0"/>
-                <a:ea typeface="宋体" pitchFamily="2" charset="-122"/>
-                <a:cs typeface="Times New Roman" pitchFamily="18" charset="0"/>
-              </a:rPr>
-              <a:t> example</a:t>
+              <a:t>doping series refinement</a:t>
             </a:r>
             <a:endParaRPr kumimoji="0" lang="en-GB" sz="2000" b="1" i="0" u="none" strike="noStrike" kern="0" cap="none" spc="0" normalizeH="0" baseline="0" noProof="0" dirty="0" smtClean="0">
               <a:ln>
@@ -11416,6 +11129,17 @@
               </a:spcBef>
             </a:pPr>
             <a:r>
+              <a:rPr lang="en-US" sz="2800" b="1" dirty="0" err="1" smtClean="0">
+                <a:solidFill>
+                  <a:schemeClr val="bg1"/>
+                </a:solidFill>
+                <a:latin typeface="Times New Roman" pitchFamily="18" charset="0"/>
+                <a:ea typeface="+mj-ea"/>
+                <a:cs typeface="Times New Roman" pitchFamily="18" charset="0"/>
+              </a:rPr>
+              <a:t>Nanoparticle</a:t>
+            </a:r>
+            <a:r>
               <a:rPr lang="en-US" sz="2800" b="1" dirty="0" smtClean="0">
                 <a:solidFill>
                   <a:schemeClr val="bg1"/>
@@ -11424,7 +11148,7 @@
                 <a:ea typeface="+mj-ea"/>
                 <a:cs typeface="Times New Roman" pitchFamily="18" charset="0"/>
               </a:rPr>
-              <a:t>Displaying the structure</a:t>
+              <a:t> structure</a:t>
             </a:r>
           </a:p>
         </p:txBody>
@@ -11693,33 +11417,9 @@
           </a:prstGeom>
         </p:spPr>
       </p:pic>
-      <p:pic>
-        <p:nvPicPr>
-          <p:cNvPr id="19" name="Picture 18" descr="fig4-02.png"/>
-          <p:cNvPicPr>
-            <a:picLocks noChangeAspect="1"/>
-          </p:cNvPicPr>
-          <p:nvPr/>
-        </p:nvPicPr>
-        <p:blipFill>
-          <a:blip r:embed="rId13" cstate="print"/>
-          <a:stretch>
-            <a:fillRect/>
-          </a:stretch>
-        </p:blipFill>
-        <p:spPr>
-          <a:xfrm>
-            <a:off x="932688" y="1143000"/>
-            <a:ext cx="7373112" cy="5575686"/>
-          </a:xfrm>
-          <a:prstGeom prst="rect">
-            <a:avLst/>
-          </a:prstGeom>
-        </p:spPr>
-      </p:pic>
       <p:sp>
         <p:nvSpPr>
-          <p:cNvPr id="20" name="Rectangle 3"/>
+          <p:cNvPr id="18" name="Rectangle 3"/>
           <p:cNvSpPr txBox="1">
             <a:spLocks noChangeArrowheads="1"/>
           </p:cNvSpPr>
@@ -11788,7 +11488,7 @@
                 <a:ea typeface="宋体" pitchFamily="2" charset="-122"/>
                 <a:cs typeface="Times New Roman" pitchFamily="18" charset="0"/>
               </a:rPr>
-              <a:t>Using </a:t>
+              <a:t>Fitting the structure of a </a:t>
             </a:r>
             <a:r>
               <a:rPr lang="en-US" kern="0" dirty="0" err="1" smtClean="0">
@@ -11801,7 +11501,7 @@
                 <a:ea typeface="宋体" pitchFamily="2" charset="-122"/>
                 <a:cs typeface="Times New Roman" pitchFamily="18" charset="0"/>
               </a:rPr>
-              <a:t>AtomEye</a:t>
+              <a:t>nanoparticle</a:t>
             </a:r>
             <a:r>
               <a:rPr lang="en-US" kern="0" dirty="0" smtClean="0">
@@ -11814,7 +11514,59 @@
                 <a:ea typeface="宋体" pitchFamily="2" charset="-122"/>
                 <a:cs typeface="Times New Roman" pitchFamily="18" charset="0"/>
               </a:rPr>
-              <a:t> functionality for 3D visualization of the initial and refined PDF structures structure.</a:t>
+              <a:t>: 3nm </a:t>
+            </a:r>
+            <a:r>
+              <a:rPr lang="en-US" kern="0" dirty="0" err="1" smtClean="0">
+                <a:solidFill>
+                  <a:schemeClr val="tx2">
+                    <a:lumMod val="50000"/>
+                  </a:schemeClr>
+                </a:solidFill>
+                <a:latin typeface="Times New Roman" pitchFamily="18" charset="0"/>
+                <a:ea typeface="宋体" pitchFamily="2" charset="-122"/>
+                <a:cs typeface="Times New Roman" pitchFamily="18" charset="0"/>
+              </a:rPr>
+              <a:t>CdSe</a:t>
+            </a:r>
+            <a:r>
+              <a:rPr lang="en-US" kern="0" dirty="0" smtClean="0">
+                <a:solidFill>
+                  <a:schemeClr val="tx2">
+                    <a:lumMod val="50000"/>
+                  </a:schemeClr>
+                </a:solidFill>
+                <a:latin typeface="Times New Roman" pitchFamily="18" charset="0"/>
+                <a:ea typeface="宋体" pitchFamily="2" charset="-122"/>
+                <a:cs typeface="Times New Roman" pitchFamily="18" charset="0"/>
+              </a:rPr>
+              <a:t> </a:t>
+            </a:r>
+            <a:r>
+              <a:rPr lang="en-US" kern="0" dirty="0" err="1" smtClean="0">
+                <a:solidFill>
+                  <a:schemeClr val="tx2">
+                    <a:lumMod val="50000"/>
+                  </a:schemeClr>
+                </a:solidFill>
+                <a:latin typeface="Times New Roman" pitchFamily="18" charset="0"/>
+                <a:ea typeface="宋体" pitchFamily="2" charset="-122"/>
+                <a:cs typeface="Times New Roman" pitchFamily="18" charset="0"/>
+              </a:rPr>
+              <a:t>nanoparticle</a:t>
+            </a:r>
+            <a:r>
+              <a:rPr lang="en-US" kern="0" dirty="0" smtClean="0">
+                <a:solidFill>
+                  <a:schemeClr val="tx2">
+                    <a:lumMod val="50000"/>
+                  </a:schemeClr>
+                </a:solidFill>
+                <a:latin typeface="Times New Roman" pitchFamily="18" charset="0"/>
+                <a:ea typeface="宋体" pitchFamily="2" charset="-122"/>
+                <a:cs typeface="Times New Roman" pitchFamily="18" charset="0"/>
+              </a:rPr>
+              <a:t> example</a:t>
             </a:r>
             <a:endParaRPr kumimoji="0" lang="en-GB" sz="2000" b="1" i="0" u="none" strike="noStrike" kern="0" cap="none" spc="0" normalizeH="0" baseline="0" noProof="0" dirty="0" smtClean="0">
               <a:ln>
@@ -11884,11 +11636,7 @@
           <a:p>
             <a:r>
               <a:rPr lang="en-US" dirty="0" smtClean="0"/>
-              <a:t>Running </a:t>
-            </a:r>
-            <a:r>
-              <a:rPr lang="en-US" dirty="0" err="1" smtClean="0"/>
-              <a:t>PDFgui</a:t>
+              <a:t>Getting the tutorial materials</a:t>
             </a:r>
             <a:endParaRPr lang="en-US" dirty="0"/>
           </a:p>
@@ -11911,55 +11659,618 @@
           <a:p>
             <a:r>
               <a:rPr lang="en-US" dirty="0" smtClean="0"/>
-              <a:t>Open a terminal</a:t>
+              <a:t>The data are in a GitHub public repository at </a:t>
+            </a:r>
+            <a:r>
+              <a:rPr lang="en-US" dirty="0" err="1" smtClean="0">
+                <a:solidFill>
+                  <a:srgbClr val="C00000"/>
+                </a:solidFill>
+              </a:rPr>
+              <a:t>billingegroup</a:t>
+            </a:r>
+            <a:r>
+              <a:rPr lang="en-US" dirty="0" smtClean="0">
+                <a:solidFill>
+                  <a:srgbClr val="C00000"/>
+                </a:solidFill>
+              </a:rPr>
+              <a:t>/toscaland21_pdf_tutorial</a:t>
+            </a:r>
+          </a:p>
+          <a:p>
+            <a:r>
+              <a:rPr lang="en-US" dirty="0" smtClean="0"/>
+              <a:t>If you have </a:t>
+            </a:r>
+            <a:r>
+              <a:rPr lang="en-US" dirty="0" err="1" smtClean="0"/>
+              <a:t>git</a:t>
+            </a:r>
+            <a:r>
+              <a:rPr lang="en-US" dirty="0" smtClean="0"/>
+              <a:t> on your machine (e.g., </a:t>
+            </a:r>
+            <a:r>
+              <a:rPr lang="en-US" dirty="0" err="1" smtClean="0"/>
+              <a:t>git</a:t>
+            </a:r>
+            <a:r>
+              <a:rPr lang="en-US" dirty="0" smtClean="0"/>
+              <a:t> bash on windows)</a:t>
             </a:r>
           </a:p>
           <a:p>
             <a:pPr lvl="1"/>
             <a:r>
-              <a:rPr lang="en-US" dirty="0" smtClean="0"/>
-              <a:t>E.g.,  type </a:t>
-            </a:r>
-            <a:r>
-              <a:rPr lang="en-US" dirty="0" err="1" smtClean="0"/>
-              <a:t>cmd</a:t>
-            </a:r>
-            <a:r>
-              <a:rPr lang="en-US" dirty="0" smtClean="0"/>
-              <a:t> into the search box on Windows</a:t>
-            </a:r>
-          </a:p>
-          <a:p>
-            <a:pPr lvl="1"/>
-            <a:r>
-              <a:rPr lang="en-US" dirty="0" smtClean="0"/>
-              <a:t>“cd” to where you are working</a:t>
-            </a:r>
-          </a:p>
-          <a:p>
-            <a:pPr lvl="2"/>
-            <a:r>
-              <a:rPr lang="en-US" dirty="0" smtClean="0"/>
-              <a:t>E.g., cd scratch/toscaland21</a:t>
-            </a:r>
-            <a:endParaRPr lang="en-US" dirty="0"/>
+              <a:rPr lang="en-US" sz="2400" dirty="0" smtClean="0"/>
+              <a:t>“</a:t>
+            </a:r>
+            <a:r>
+              <a:rPr lang="en-US" sz="2400" dirty="0" err="1" smtClean="0"/>
+              <a:t>git</a:t>
+            </a:r>
+            <a:r>
+              <a:rPr lang="en-US" sz="2400" dirty="0" smtClean="0"/>
+              <a:t> clone </a:t>
+            </a:r>
+            <a:r>
+              <a:rPr lang="en-US" sz="2400" dirty="0" smtClean="0">
+                <a:hlinkClick r:id="rId2"/>
+              </a:rPr>
+              <a:t>https</a:t>
+            </a:r>
+            <a:r>
+              <a:rPr lang="en-US" sz="2400" dirty="0">
+                <a:hlinkClick r:id="rId2"/>
+              </a:rPr>
+              <a:t>://</a:t>
+            </a:r>
+            <a:r>
+              <a:rPr lang="en-US" sz="2400" dirty="0" smtClean="0">
+                <a:hlinkClick r:id="rId2"/>
+              </a:rPr>
+              <a:t>github.com/</a:t>
+            </a:r>
+            <a:r>
+              <a:rPr lang="en-US" sz="2400" dirty="0" err="1" smtClean="0">
+                <a:hlinkClick r:id="rId2"/>
+              </a:rPr>
+              <a:t>Billingegroup</a:t>
+            </a:r>
+            <a:r>
+              <a:rPr lang="en-US" sz="2400" dirty="0" smtClean="0">
+                <a:hlinkClick r:id="rId2"/>
+              </a:rPr>
+              <a:t>/toscaland21_pdf_tutorial.git</a:t>
+            </a:r>
+            <a:r>
+              <a:rPr lang="en-US" sz="2400" dirty="0" smtClean="0"/>
+              <a:t>” should do it</a:t>
+            </a:r>
+          </a:p>
+          <a:p>
+            <a:r>
+              <a:rPr lang="en-US" sz="2800" dirty="0" smtClean="0"/>
+              <a:t>If you don’t want to do it using </a:t>
+            </a:r>
+            <a:r>
+              <a:rPr lang="en-US" sz="2800" dirty="0" err="1" smtClean="0"/>
+              <a:t>git</a:t>
+            </a:r>
+            <a:r>
+              <a:rPr lang="en-US" sz="2800" dirty="0" smtClean="0"/>
+              <a:t>, select to download the zipped version of the file</a:t>
+            </a:r>
           </a:p>
         </p:txBody>
       </p:sp>
     </p:spTree>
     <p:extLst>
       <p:ext uri="{BB962C8B-B14F-4D97-AF65-F5344CB8AC3E}">
-        <p14:creationId xmlns:p14="http://schemas.microsoft.com/office/powerpoint/2010/main" val="1780198128"/>
+        <p14:creationId xmlns:p14="http://schemas.microsoft.com/office/powerpoint/2010/main" val="3167441148"/>
       </p:ext>
     </p:extLst>
   </p:cSld>
   <p:clrMapOvr>
     <a:masterClrMapping/>
   </p:clrMapOvr>
+  <p:timing>
+    <p:tnLst>
+      <p:par>
+        <p:cTn id="1" dur="indefinite" restart="never" nodeType="tmRoot"/>
+      </p:par>
+    </p:tnLst>
+  </p:timing>
 </p:sld>
 </file>
 
 <file path=ppt/slides/slide30.xml><?xml version="1.0" encoding="utf-8"?>
+<p:sld xmlns:a="http://schemas.openxmlformats.org/drawingml/2006/main" xmlns:r="http://schemas.openxmlformats.org/officeDocument/2006/relationships" xmlns:p="http://schemas.openxmlformats.org/presentationml/2006/main">
+  <p:cSld>
+    <p:spTree>
+      <p:nvGrpSpPr>
+        <p:cNvPr id="1" name=""/>
+        <p:cNvGrpSpPr/>
+        <p:nvPr/>
+      </p:nvGrpSpPr>
+      <p:grpSpPr>
+        <a:xfrm>
+          <a:off x="0" y="0"/>
+          <a:ext cx="0" cy="0"/>
+          <a:chOff x="0" y="0"/>
+          <a:chExt cx="0" cy="0"/>
+        </a:xfrm>
+      </p:grpSpPr>
+      <p:sp>
+        <p:nvSpPr>
+          <p:cNvPr id="7" name="Title 1"/>
+          <p:cNvSpPr txBox="1">
+            <a:spLocks/>
+          </p:cNvSpPr>
+          <p:nvPr/>
+        </p:nvSpPr>
+        <p:spPr>
+          <a:xfrm>
+            <a:off x="0" y="1"/>
+            <a:ext cx="9144000" cy="838199"/>
+          </a:xfrm>
+          <a:prstGeom prst="rect">
+            <a:avLst/>
+          </a:prstGeom>
+          <a:solidFill>
+            <a:schemeClr val="tx2">
+              <a:lumMod val="50000"/>
+            </a:schemeClr>
+          </a:solidFill>
+        </p:spPr>
+        <p:txBody>
+          <a:bodyPr vert="horz" lIns="91440" tIns="45720" rIns="91440" bIns="45720" rtlCol="0" anchor="ctr">
+            <a:noAutofit/>
+          </a:bodyPr>
+          <a:lstStyle/>
+          <a:p>
+            <a:pPr algn="ctr">
+              <a:spcBef>
+                <a:spcPct val="0"/>
+              </a:spcBef>
+            </a:pPr>
+            <a:r>
+              <a:rPr lang="en-US" sz="2800" b="1" dirty="0" smtClean="0">
+                <a:solidFill>
+                  <a:schemeClr val="bg1"/>
+                </a:solidFill>
+                <a:latin typeface="Times New Roman" pitchFamily="18" charset="0"/>
+                <a:ea typeface="+mj-ea"/>
+                <a:cs typeface="Times New Roman" pitchFamily="18" charset="0"/>
+              </a:rPr>
+              <a:t>Displaying the structure</a:t>
+            </a:r>
+          </a:p>
+        </p:txBody>
+      </p:sp>
+      <p:pic>
+        <p:nvPicPr>
+          <p:cNvPr id="8" name="Picture 7" descr="fig2-02.png"/>
+          <p:cNvPicPr>
+            <a:picLocks noChangeAspect="1"/>
+          </p:cNvPicPr>
+          <p:nvPr/>
+        </p:nvPicPr>
+        <p:blipFill>
+          <a:blip r:embed="rId2" cstate="print"/>
+          <a:stretch>
+            <a:fillRect/>
+          </a:stretch>
+        </p:blipFill>
+        <p:spPr>
+          <a:xfrm>
+            <a:off x="1531620" y="1135380"/>
+            <a:ext cx="6080760" cy="5570220"/>
+          </a:xfrm>
+          <a:prstGeom prst="rect">
+            <a:avLst/>
+          </a:prstGeom>
+        </p:spPr>
+      </p:pic>
+      <p:pic>
+        <p:nvPicPr>
+          <p:cNvPr id="14" name="Picture 13" descr="fig2-11.png"/>
+          <p:cNvPicPr>
+            <a:picLocks noChangeAspect="1"/>
+          </p:cNvPicPr>
+          <p:nvPr/>
+        </p:nvPicPr>
+        <p:blipFill>
+          <a:blip r:embed="rId3" cstate="print"/>
+          <a:stretch>
+            <a:fillRect/>
+          </a:stretch>
+        </p:blipFill>
+        <p:spPr>
+          <a:xfrm>
+            <a:off x="1524000" y="1143001"/>
+            <a:ext cx="6093094" cy="5562600"/>
+          </a:xfrm>
+          <a:prstGeom prst="rect">
+            <a:avLst/>
+          </a:prstGeom>
+        </p:spPr>
+      </p:pic>
+      <p:pic>
+        <p:nvPicPr>
+          <p:cNvPr id="5" name="Picture 4" descr="fig3-01.png"/>
+          <p:cNvPicPr>
+            <a:picLocks noChangeAspect="1"/>
+          </p:cNvPicPr>
+          <p:nvPr/>
+        </p:nvPicPr>
+        <p:blipFill>
+          <a:blip r:embed="rId4" cstate="print"/>
+          <a:stretch>
+            <a:fillRect/>
+          </a:stretch>
+        </p:blipFill>
+        <p:spPr>
+          <a:xfrm>
+            <a:off x="914400" y="1143000"/>
+            <a:ext cx="7325458" cy="5562600"/>
+          </a:xfrm>
+          <a:prstGeom prst="rect">
+            <a:avLst/>
+          </a:prstGeom>
+        </p:spPr>
+      </p:pic>
+      <p:pic>
+        <p:nvPicPr>
+          <p:cNvPr id="9" name="Picture 8" descr="fig3-03.png"/>
+          <p:cNvPicPr>
+            <a:picLocks noChangeAspect="1"/>
+          </p:cNvPicPr>
+          <p:nvPr/>
+        </p:nvPicPr>
+        <p:blipFill>
+          <a:blip r:embed="rId5" cstate="print"/>
+          <a:stretch>
+            <a:fillRect/>
+          </a:stretch>
+        </p:blipFill>
+        <p:spPr>
+          <a:xfrm>
+            <a:off x="914400" y="1143000"/>
+            <a:ext cx="7315200" cy="5541540"/>
+          </a:xfrm>
+          <a:prstGeom prst="rect">
+            <a:avLst/>
+          </a:prstGeom>
+        </p:spPr>
+      </p:pic>
+      <p:pic>
+        <p:nvPicPr>
+          <p:cNvPr id="10" name="Picture 9" descr="fig3-04.png"/>
+          <p:cNvPicPr>
+            <a:picLocks noChangeAspect="1"/>
+          </p:cNvPicPr>
+          <p:nvPr/>
+        </p:nvPicPr>
+        <p:blipFill>
+          <a:blip r:embed="rId6" cstate="print"/>
+          <a:stretch>
+            <a:fillRect/>
+          </a:stretch>
+        </p:blipFill>
+        <p:spPr>
+          <a:xfrm>
+            <a:off x="914400" y="1143000"/>
+            <a:ext cx="7315200" cy="5541540"/>
+          </a:xfrm>
+          <a:prstGeom prst="rect">
+            <a:avLst/>
+          </a:prstGeom>
+        </p:spPr>
+      </p:pic>
+      <p:pic>
+        <p:nvPicPr>
+          <p:cNvPr id="11" name="Picture 10" descr="fig3-05.png"/>
+          <p:cNvPicPr>
+            <a:picLocks noChangeAspect="1"/>
+          </p:cNvPicPr>
+          <p:nvPr/>
+        </p:nvPicPr>
+        <p:blipFill>
+          <a:blip r:embed="rId7" cstate="print"/>
+          <a:stretch>
+            <a:fillRect/>
+          </a:stretch>
+        </p:blipFill>
+        <p:spPr>
+          <a:xfrm>
+            <a:off x="914399" y="1143000"/>
+            <a:ext cx="7343001" cy="5562600"/>
+          </a:xfrm>
+          <a:prstGeom prst="rect">
+            <a:avLst/>
+          </a:prstGeom>
+        </p:spPr>
+      </p:pic>
+      <p:pic>
+        <p:nvPicPr>
+          <p:cNvPr id="12" name="Picture 11" descr="fig3-06.png"/>
+          <p:cNvPicPr>
+            <a:picLocks noChangeAspect="1"/>
+          </p:cNvPicPr>
+          <p:nvPr/>
+        </p:nvPicPr>
+        <p:blipFill>
+          <a:blip r:embed="rId8" cstate="print"/>
+          <a:stretch>
+            <a:fillRect/>
+          </a:stretch>
+        </p:blipFill>
+        <p:spPr>
+          <a:xfrm>
+            <a:off x="914400" y="1131570"/>
+            <a:ext cx="7358089" cy="5574030"/>
+          </a:xfrm>
+          <a:prstGeom prst="rect">
+            <a:avLst/>
+          </a:prstGeom>
+        </p:spPr>
+      </p:pic>
+      <p:pic>
+        <p:nvPicPr>
+          <p:cNvPr id="13" name="Picture 12" descr="fig3-07.png"/>
+          <p:cNvPicPr>
+            <a:picLocks noChangeAspect="1"/>
+          </p:cNvPicPr>
+          <p:nvPr/>
+        </p:nvPicPr>
+        <p:blipFill>
+          <a:blip r:embed="rId9" cstate="print"/>
+          <a:stretch>
+            <a:fillRect/>
+          </a:stretch>
+        </p:blipFill>
+        <p:spPr>
+          <a:xfrm>
+            <a:off x="914400" y="1143000"/>
+            <a:ext cx="7361725" cy="5562600"/>
+          </a:xfrm>
+          <a:prstGeom prst="rect">
+            <a:avLst/>
+          </a:prstGeom>
+        </p:spPr>
+      </p:pic>
+      <p:pic>
+        <p:nvPicPr>
+          <p:cNvPr id="15" name="Picture 14" descr="fig3-08.png"/>
+          <p:cNvPicPr>
+            <a:picLocks noChangeAspect="1"/>
+          </p:cNvPicPr>
+          <p:nvPr/>
+        </p:nvPicPr>
+        <p:blipFill>
+          <a:blip r:embed="rId10" cstate="print"/>
+          <a:stretch>
+            <a:fillRect/>
+          </a:stretch>
+        </p:blipFill>
+        <p:spPr>
+          <a:xfrm>
+            <a:off x="914399" y="1131570"/>
+            <a:ext cx="7358089" cy="5574030"/>
+          </a:xfrm>
+          <a:prstGeom prst="rect">
+            <a:avLst/>
+          </a:prstGeom>
+        </p:spPr>
+      </p:pic>
+      <p:pic>
+        <p:nvPicPr>
+          <p:cNvPr id="17" name="Picture 16" descr="fig3-09.png"/>
+          <p:cNvPicPr>
+            <a:picLocks noChangeAspect="1"/>
+          </p:cNvPicPr>
+          <p:nvPr/>
+        </p:nvPicPr>
+        <p:blipFill>
+          <a:blip r:embed="rId11" cstate="print"/>
+          <a:stretch>
+            <a:fillRect/>
+          </a:stretch>
+        </p:blipFill>
+        <p:spPr>
+          <a:xfrm>
+            <a:off x="914401" y="1143000"/>
+            <a:ext cx="7391399" cy="5585022"/>
+          </a:xfrm>
+          <a:prstGeom prst="rect">
+            <a:avLst/>
+          </a:prstGeom>
+        </p:spPr>
+      </p:pic>
+      <p:pic>
+        <p:nvPicPr>
+          <p:cNvPr id="16" name="Picture 15" descr="fig3-10.png"/>
+          <p:cNvPicPr>
+            <a:picLocks noChangeAspect="1"/>
+          </p:cNvPicPr>
+          <p:nvPr/>
+        </p:nvPicPr>
+        <p:blipFill>
+          <a:blip r:embed="rId12" cstate="print"/>
+          <a:stretch>
+            <a:fillRect/>
+          </a:stretch>
+        </p:blipFill>
+        <p:spPr>
+          <a:xfrm>
+            <a:off x="914399" y="1143000"/>
+            <a:ext cx="7391401" cy="5603456"/>
+          </a:xfrm>
+          <a:prstGeom prst="rect">
+            <a:avLst/>
+          </a:prstGeom>
+        </p:spPr>
+      </p:pic>
+      <p:pic>
+        <p:nvPicPr>
+          <p:cNvPr id="19" name="Picture 18" descr="fig4-02.png"/>
+          <p:cNvPicPr>
+            <a:picLocks noChangeAspect="1"/>
+          </p:cNvPicPr>
+          <p:nvPr/>
+        </p:nvPicPr>
+        <p:blipFill>
+          <a:blip r:embed="rId13" cstate="print"/>
+          <a:stretch>
+            <a:fillRect/>
+          </a:stretch>
+        </p:blipFill>
+        <p:spPr>
+          <a:xfrm>
+            <a:off x="932688" y="1143000"/>
+            <a:ext cx="7373112" cy="5575686"/>
+          </a:xfrm>
+          <a:prstGeom prst="rect">
+            <a:avLst/>
+          </a:prstGeom>
+        </p:spPr>
+      </p:pic>
+      <p:sp>
+        <p:nvSpPr>
+          <p:cNvPr id="20" name="Rectangle 3"/>
+          <p:cNvSpPr txBox="1">
+            <a:spLocks noChangeArrowheads="1"/>
+          </p:cNvSpPr>
+          <p:nvPr/>
+        </p:nvSpPr>
+        <p:spPr bwMode="auto">
+          <a:xfrm>
+            <a:off x="0" y="762000"/>
+            <a:ext cx="9144000" cy="304800"/>
+          </a:xfrm>
+          <a:prstGeom prst="rect">
+            <a:avLst/>
+          </a:prstGeom>
+          <a:noFill/>
+          <a:ln w="9525">
+            <a:noFill/>
+            <a:miter lim="800000"/>
+            <a:headEnd/>
+            <a:tailEnd/>
+          </a:ln>
+          <a:effectLst/>
+        </p:spPr>
+        <p:txBody>
+          <a:bodyPr vert="horz" wrap="square" lIns="90000" tIns="46800" rIns="90000" bIns="46800" numCol="1" anchor="t" anchorCtr="0" compatLnSpc="1">
+            <a:prstTxWarp prst="textNoShape">
+              <a:avLst/>
+            </a:prstTxWarp>
+          </a:bodyPr>
+          <a:lstStyle/>
+          <a:p>
+            <a:pPr marL="223838" lvl="0" indent="-223838" algn="ctr" defTabSz="457200" fontAlgn="base">
+              <a:spcBef>
+                <a:spcPct val="10000"/>
+              </a:spcBef>
+              <a:spcAft>
+                <a:spcPct val="0"/>
+              </a:spcAft>
+              <a:buClr>
+                <a:schemeClr val="tx2">
+                  <a:lumMod val="50000"/>
+                </a:schemeClr>
+              </a:buClr>
+              <a:buSzPct val="75000"/>
+              <a:tabLst>
+                <a:tab pos="911225" algn="l"/>
+                <a:tab pos="1825625" algn="l"/>
+                <a:tab pos="2740025" algn="l"/>
+                <a:tab pos="3654425" algn="l"/>
+                <a:tab pos="4568825" algn="l"/>
+                <a:tab pos="5483225" algn="l"/>
+                <a:tab pos="6397625" algn="l"/>
+                <a:tab pos="7312025" algn="l"/>
+                <a:tab pos="8226425" algn="l"/>
+                <a:tab pos="9140825" algn="l"/>
+                <a:tab pos="10055225" algn="l"/>
+              </a:tabLst>
+            </a:pPr>
+            <a:r>
+              <a:rPr lang="en-US" kern="0" dirty="0" smtClean="0">
+                <a:solidFill>
+                  <a:schemeClr val="tx2">
+                    <a:lumMod val="50000"/>
+                  </a:schemeClr>
+                </a:solidFill>
+                <a:latin typeface="Times New Roman" pitchFamily="18" charset="0"/>
+                <a:ea typeface="宋体" pitchFamily="2" charset="-122"/>
+                <a:cs typeface="Times New Roman" pitchFamily="18" charset="0"/>
+              </a:rPr>
+              <a:t>Using </a:t>
+            </a:r>
+            <a:r>
+              <a:rPr lang="en-US" kern="0" dirty="0" err="1" smtClean="0">
+                <a:solidFill>
+                  <a:schemeClr val="tx2">
+                    <a:lumMod val="50000"/>
+                  </a:schemeClr>
+                </a:solidFill>
+                <a:latin typeface="Times New Roman" pitchFamily="18" charset="0"/>
+                <a:ea typeface="宋体" pitchFamily="2" charset="-122"/>
+                <a:cs typeface="Times New Roman" pitchFamily="18" charset="0"/>
+              </a:rPr>
+              <a:t>AtomEye</a:t>
+            </a:r>
+            <a:r>
+              <a:rPr lang="en-US" kern="0" dirty="0" smtClean="0">
+                <a:solidFill>
+                  <a:schemeClr val="tx2">
+                    <a:lumMod val="50000"/>
+                  </a:schemeClr>
+                </a:solidFill>
+                <a:latin typeface="Times New Roman" pitchFamily="18" charset="0"/>
+                <a:ea typeface="宋体" pitchFamily="2" charset="-122"/>
+                <a:cs typeface="Times New Roman" pitchFamily="18" charset="0"/>
+              </a:rPr>
+              <a:t> functionality for 3D visualization of the initial and refined PDF structures structure.</a:t>
+            </a:r>
+            <a:endParaRPr kumimoji="0" lang="en-GB" sz="2000" b="1" i="0" u="none" strike="noStrike" kern="0" cap="none" spc="0" normalizeH="0" baseline="0" noProof="0" dirty="0" smtClean="0">
+              <a:ln>
+                <a:noFill/>
+              </a:ln>
+              <a:solidFill>
+                <a:schemeClr val="tx2">
+                  <a:lumMod val="50000"/>
+                </a:schemeClr>
+              </a:solidFill>
+              <a:effectLst/>
+              <a:uLnTx/>
+              <a:uFillTx/>
+              <a:latin typeface="Times New Roman" pitchFamily="18" charset="0"/>
+              <a:ea typeface="宋体" pitchFamily="2" charset="-122"/>
+              <a:cs typeface="Times New Roman" pitchFamily="18" charset="0"/>
+            </a:endParaRPr>
+          </a:p>
+        </p:txBody>
+      </p:sp>
+    </p:spTree>
+  </p:cSld>
+  <p:clrMapOvr>
+    <a:masterClrMapping/>
+  </p:clrMapOvr>
+  <p:timing>
+    <p:tnLst>
+      <p:par>
+        <p:cTn id="1" dur="indefinite" restart="never" nodeType="tmRoot"/>
+      </p:par>
+    </p:tnLst>
+  </p:timing>
+</p:sld>
+</file>
+
+<file path=ppt/slides/slide31.xml><?xml version="1.0" encoding="utf-8"?>
 <p:sld xmlns:a="http://schemas.openxmlformats.org/drawingml/2006/main" xmlns:r="http://schemas.openxmlformats.org/officeDocument/2006/relationships" xmlns:p="http://schemas.openxmlformats.org/presentationml/2006/main">
   <p:cSld>
     <p:spTree>
@@ -13134,7 +13445,7 @@
 </p:sld>
 </file>
 
-<file path=ppt/slides/slide31.xml><?xml version="1.0" encoding="utf-8"?>
+<file path=ppt/slides/slide32.xml><?xml version="1.0" encoding="utf-8"?>
 <p:sld xmlns:a="http://schemas.openxmlformats.org/drawingml/2006/main" xmlns:r="http://schemas.openxmlformats.org/officeDocument/2006/relationships" xmlns:p="http://schemas.openxmlformats.org/presentationml/2006/main">
   <p:cSld>
     <p:spTree>
@@ -13286,14 +13597,16 @@
         </p:nvSpPr>
         <p:spPr/>
         <p:txBody>
-          <a:bodyPr>
-            <a:normAutofit fontScale="90000"/>
-          </a:bodyPr>
+          <a:bodyPr/>
           <a:lstStyle/>
           <a:p>
             <a:r>
               <a:rPr lang="en-US" dirty="0" smtClean="0"/>
-              <a:t>Installing structure viewer if you like</a:t>
+              <a:t>Running </a:t>
+            </a:r>
+            <a:r>
+              <a:rPr lang="en-US" dirty="0" err="1" smtClean="0"/>
+              <a:t>PDFgui</a:t>
             </a:r>
             <a:endParaRPr lang="en-US" dirty="0"/>
           </a:p>
@@ -13311,80 +13624,41 @@
         </p:nvSpPr>
         <p:spPr/>
         <p:txBody>
-          <a:bodyPr>
-            <a:normAutofit lnSpcReduction="10000"/>
-          </a:bodyPr>
+          <a:bodyPr/>
           <a:lstStyle/>
           <a:p>
             <a:r>
               <a:rPr lang="en-US" dirty="0" smtClean="0"/>
-              <a:t>Download </a:t>
+              <a:t>Open a terminal</a:t>
+            </a:r>
+          </a:p>
+          <a:p>
+            <a:pPr lvl="1"/>
+            <a:r>
+              <a:rPr lang="en-US" dirty="0" smtClean="0"/>
+              <a:t>E.g.,  type </a:t>
             </a:r>
             <a:r>
               <a:rPr lang="en-US" dirty="0" err="1" smtClean="0"/>
-              <a:t>Vesta</a:t>
+              <a:t>cmd</a:t>
             </a:r>
             <a:r>
               <a:rPr lang="en-US" dirty="0" smtClean="0"/>
-              <a:t> (or another preferred viewer)</a:t>
+              <a:t> into the search box on Windows</a:t>
             </a:r>
           </a:p>
           <a:p>
             <a:pPr lvl="1"/>
             <a:r>
               <a:rPr lang="en-US" dirty="0" smtClean="0"/>
-              <a:t>Google for “</a:t>
-            </a:r>
-            <a:r>
-              <a:rPr lang="en-US" dirty="0" err="1" smtClean="0"/>
-              <a:t>vesta</a:t>
-            </a:r>
+              <a:t>“cd” to where you are working</a:t>
+            </a:r>
+          </a:p>
+          <a:p>
+            <a:pPr lvl="2"/>
             <a:r>
               <a:rPr lang="en-US" dirty="0" smtClean="0"/>
-              <a:t> structure viewer” and select “download”</a:t>
-            </a:r>
-          </a:p>
-          <a:p>
-            <a:pPr lvl="1"/>
-            <a:r>
-              <a:rPr lang="en-US" dirty="0" smtClean="0"/>
-              <a:t>Download and extract the files, maybe to the programs directory or your computer</a:t>
-            </a:r>
-          </a:p>
-          <a:p>
-            <a:pPr lvl="1"/>
-            <a:r>
-              <a:rPr lang="en-US" dirty="0" smtClean="0"/>
-              <a:t>In </a:t>
-            </a:r>
-            <a:r>
-              <a:rPr lang="en-US" dirty="0" err="1" smtClean="0"/>
-              <a:t>PDFgui</a:t>
-            </a:r>
-            <a:r>
-              <a:rPr lang="en-US" dirty="0" smtClean="0"/>
-              <a:t>, </a:t>
-            </a:r>
-          </a:p>
-          <a:p>
-            <a:pPr lvl="2"/>
-            <a:r>
-              <a:rPr lang="en-US" dirty="0" smtClean="0"/>
-              <a:t>Edit -&gt; preferences</a:t>
-            </a:r>
-          </a:p>
-          <a:p>
-            <a:pPr lvl="2"/>
-            <a:r>
-              <a:rPr lang="en-US" dirty="0" smtClean="0"/>
-              <a:t>Browse for the vestaXXX.exe file in your extracted download file</a:t>
-            </a:r>
-          </a:p>
-          <a:p>
-            <a:pPr lvl="2"/>
-            <a:r>
-              <a:rPr lang="en-US" dirty="0" smtClean="0"/>
-              <a:t>Click OK</a:t>
+              <a:t>E.g., cd scratch/toscaland21</a:t>
             </a:r>
             <a:endParaRPr lang="en-US" dirty="0"/>
           </a:p>
@@ -13393,13 +13667,20 @@
     </p:spTree>
     <p:extLst>
       <p:ext uri="{BB962C8B-B14F-4D97-AF65-F5344CB8AC3E}">
-        <p14:creationId xmlns:p14="http://schemas.microsoft.com/office/powerpoint/2010/main" val="15862210"/>
+        <p14:creationId xmlns:p14="http://schemas.microsoft.com/office/powerpoint/2010/main" val="1780198128"/>
       </p:ext>
     </p:extLst>
   </p:cSld>
   <p:clrMapOvr>
     <a:masterClrMapping/>
   </p:clrMapOvr>
+  <p:timing>
+    <p:tnLst>
+      <p:par>
+        <p:cTn id="1" dur="indefinite" restart="never" nodeType="tmRoot"/>
+      </p:par>
+    </p:tnLst>
+  </p:timing>
 </p:sld>
 </file>
 
@@ -13432,20 +13713,14 @@
         </p:nvSpPr>
         <p:spPr/>
         <p:txBody>
-          <a:bodyPr/>
+          <a:bodyPr>
+            <a:normAutofit fontScale="90000"/>
+          </a:bodyPr>
           <a:lstStyle/>
           <a:p>
             <a:r>
               <a:rPr lang="en-US" dirty="0" smtClean="0"/>
-              <a:t>Basic rules of </a:t>
-            </a:r>
-            <a:r>
-              <a:rPr lang="en-US" dirty="0" err="1" smtClean="0"/>
-              <a:t>PDFgui</a:t>
-            </a:r>
-            <a:r>
-              <a:rPr lang="en-US" dirty="0" smtClean="0"/>
-              <a:t> usage</a:t>
+              <a:t>Installing structure viewer if you like</a:t>
             </a:r>
             <a:endParaRPr lang="en-US" dirty="0"/>
           </a:p>
@@ -13468,85 +13743,75 @@
           </a:bodyPr>
           <a:lstStyle/>
           <a:p>
-            <a:pPr marL="514350" indent="-514350">
-              <a:buFont typeface="+mj-lt"/>
-              <a:buAutoNum type="arabicPeriod"/>
-            </a:pPr>
             <a:r>
               <a:rPr lang="en-US" dirty="0" smtClean="0"/>
-              <a:t>Join </a:t>
+              <a:t>Download </a:t>
             </a:r>
             <a:r>
               <a:rPr lang="en-US" dirty="0" err="1" smtClean="0"/>
-              <a:t>diffpy</a:t>
+              <a:t>Vesta</a:t>
             </a:r>
             <a:r>
               <a:rPr lang="en-US" dirty="0" smtClean="0"/>
-              <a:t>-users Google group and ask questions there</a:t>
-            </a:r>
-          </a:p>
-          <a:p>
-            <a:pPr marL="914400" lvl="1" indent="-514350">
-              <a:buFont typeface="+mj-lt"/>
-              <a:buAutoNum type="arabicPeriod"/>
-            </a:pPr>
+              <a:t> (or another preferred viewer)</a:t>
+            </a:r>
+          </a:p>
+          <a:p>
+            <a:pPr lvl="1"/>
             <a:r>
               <a:rPr lang="en-US" dirty="0" smtClean="0"/>
-              <a:t>Do it now!  Google for </a:t>
+              <a:t>Google for “</a:t>
             </a:r>
             <a:r>
               <a:rPr lang="en-US" dirty="0" err="1" smtClean="0"/>
-              <a:t>diffpy</a:t>
+              <a:t>vesta</a:t>
             </a:r>
             <a:r>
               <a:rPr lang="en-US" dirty="0" smtClean="0"/>
-              <a:t>-users and request to join</a:t>
-            </a:r>
-          </a:p>
-          <a:p>
-            <a:pPr marL="514350" indent="-514350">
-              <a:buFont typeface="+mj-lt"/>
-              <a:buAutoNum type="arabicPeriod"/>
-            </a:pPr>
+              <a:t> structure viewer” and select “download”</a:t>
+            </a:r>
+          </a:p>
+          <a:p>
+            <a:pPr lvl="1"/>
             <a:r>
               <a:rPr lang="en-US" dirty="0" smtClean="0"/>
-              <a:t>Every time you are in a happy-place, save your work into a project file (</a:t>
+              <a:t>Download and extract the files, maybe to the programs directory or your computer</a:t>
+            </a:r>
+          </a:p>
+          <a:p>
+            <a:pPr lvl="1"/>
+            <a:r>
+              <a:rPr lang="en-US" dirty="0" smtClean="0"/>
+              <a:t>In </a:t>
             </a:r>
             <a:r>
               <a:rPr lang="en-US" dirty="0" err="1" smtClean="0"/>
-              <a:t>ctl</a:t>
+              <a:t>PDFgui</a:t>
             </a:r>
             <a:r>
               <a:rPr lang="en-US" dirty="0" smtClean="0"/>
-              <a:t>-s)</a:t>
-            </a:r>
-          </a:p>
-          <a:p>
-            <a:pPr marL="914400" lvl="1" indent="-514350">
-              <a:buFont typeface="+mj-lt"/>
-              <a:buAutoNum type="arabicPeriod"/>
-            </a:pPr>
+              <a:t>, </a:t>
+            </a:r>
+          </a:p>
+          <a:p>
+            <a:pPr lvl="2"/>
             <a:r>
               <a:rPr lang="en-US" dirty="0" smtClean="0"/>
-              <a:t>This will save you a lot of time if (as sometimes happens) PDF gets stuck and has to be restarted.</a:t>
-            </a:r>
-          </a:p>
-          <a:p>
-            <a:pPr marL="914400" lvl="1" indent="-514350">
-              <a:buFont typeface="+mj-lt"/>
-              <a:buAutoNum type="arabicPeriod"/>
-            </a:pPr>
+              <a:t>Edit -&gt; preferences</a:t>
+            </a:r>
+          </a:p>
+          <a:p>
+            <a:pPr lvl="2"/>
             <a:r>
               <a:rPr lang="en-US" dirty="0" smtClean="0"/>
-              <a:t>Remember “</a:t>
-            </a:r>
-            <a:r>
-              <a:rPr lang="en-US" dirty="0" err="1" smtClean="0"/>
-              <a:t>ctl</a:t>
-            </a:r>
+              <a:t>Browse for the vestaXXX.exe file in your extracted download file</a:t>
+            </a:r>
+          </a:p>
+          <a:p>
+            <a:pPr lvl="2"/>
             <a:r>
               <a:rPr lang="en-US" dirty="0" smtClean="0"/>
-              <a:t>-s”</a:t>
+              <a:t>Click OK</a:t>
             </a:r>
             <a:endParaRPr lang="en-US" dirty="0"/>
           </a:p>
@@ -13555,13 +13820,20 @@
     </p:spTree>
     <p:extLst>
       <p:ext uri="{BB962C8B-B14F-4D97-AF65-F5344CB8AC3E}">
-        <p14:creationId xmlns:p14="http://schemas.microsoft.com/office/powerpoint/2010/main" val="4172581047"/>
+        <p14:creationId xmlns:p14="http://schemas.microsoft.com/office/powerpoint/2010/main" val="15862210"/>
       </p:ext>
     </p:extLst>
   </p:cSld>
   <p:clrMapOvr>
     <a:masterClrMapping/>
   </p:clrMapOvr>
+  <p:timing>
+    <p:tnLst>
+      <p:par>
+        <p:cTn id="1" dur="indefinite" restart="never" nodeType="tmRoot"/>
+      </p:par>
+    </p:tnLst>
+  </p:timing>
 </p:sld>
 </file>
 
@@ -13599,7 +13871,15 @@
           <a:p>
             <a:r>
               <a:rPr lang="en-US" dirty="0" smtClean="0"/>
-              <a:t>Workflow</a:t>
+              <a:t>Basic rules of </a:t>
+            </a:r>
+            <a:r>
+              <a:rPr lang="en-US" dirty="0" err="1" smtClean="0"/>
+              <a:t>PDFgui</a:t>
+            </a:r>
+            <a:r>
+              <a:rPr lang="en-US" dirty="0" smtClean="0"/>
+              <a:t> usage</a:t>
             </a:r>
             <a:endParaRPr lang="en-US" dirty="0"/>
           </a:p>
@@ -13618,7 +13898,7 @@
         <p:spPr/>
         <p:txBody>
           <a:bodyPr>
-            <a:normAutofit fontScale="85000" lnSpcReduction="20000"/>
+            <a:normAutofit lnSpcReduction="10000"/>
           </a:bodyPr>
           <a:lstStyle/>
           <a:p>
@@ -13628,7 +13908,33 @@
             </a:pPr>
             <a:r>
               <a:rPr lang="en-US" dirty="0" smtClean="0"/>
-              <a:t>Fits -&gt; New fit, give it a name if you like</a:t>
+              <a:t>Join </a:t>
+            </a:r>
+            <a:r>
+              <a:rPr lang="en-US" dirty="0" err="1" smtClean="0"/>
+              <a:t>diffpy</a:t>
+            </a:r>
+            <a:r>
+              <a:rPr lang="en-US" dirty="0" smtClean="0"/>
+              <a:t>-users Google group and ask questions there</a:t>
+            </a:r>
+          </a:p>
+          <a:p>
+            <a:pPr marL="914400" lvl="1" indent="-514350">
+              <a:buFont typeface="+mj-lt"/>
+              <a:buAutoNum type="arabicPeriod"/>
+            </a:pPr>
+            <a:r>
+              <a:rPr lang="en-US" dirty="0" smtClean="0"/>
+              <a:t>Do it now!  Google for </a:t>
+            </a:r>
+            <a:r>
+              <a:rPr lang="en-US" dirty="0" err="1" smtClean="0"/>
+              <a:t>diffpy</a:t>
+            </a:r>
+            <a:r>
+              <a:rPr lang="en-US" dirty="0" smtClean="0"/>
+              <a:t>-users and request to join</a:t>
             </a:r>
           </a:p>
           <a:p>
@@ -13638,17 +13944,15 @@
             </a:pPr>
             <a:r>
               <a:rPr lang="en-US" dirty="0" smtClean="0"/>
-              <a:t>Select the fit</a:t>
-            </a:r>
-          </a:p>
-          <a:p>
-            <a:pPr marL="514350" indent="-514350">
-              <a:buFont typeface="+mj-lt"/>
-              <a:buAutoNum type="arabicPeriod"/>
-            </a:pPr>
+              <a:t>Every time you are in a happy-place, save your work into a project file (</a:t>
+            </a:r>
+            <a:r>
+              <a:rPr lang="en-US" dirty="0" err="1" smtClean="0"/>
+              <a:t>ctl</a:t>
+            </a:r>
             <a:r>
               <a:rPr lang="en-US" dirty="0" smtClean="0"/>
-              <a:t>Data -&gt; new data set</a:t>
+              <a:t>-s)</a:t>
             </a:r>
           </a:p>
           <a:p>
@@ -13658,25 +13962,7 @@
             </a:pPr>
             <a:r>
               <a:rPr lang="en-US" dirty="0" smtClean="0"/>
-              <a:t>Browse for data file</a:t>
-            </a:r>
-          </a:p>
-          <a:p>
-            <a:pPr marL="514350" indent="-514350">
-              <a:buFont typeface="+mj-lt"/>
-              <a:buAutoNum type="arabicPeriod"/>
-            </a:pPr>
-            <a:r>
-              <a:rPr lang="en-US" dirty="0" smtClean="0"/>
-              <a:t>If you have a </a:t>
-            </a:r>
-            <a:r>
-              <a:rPr lang="en-US" dirty="0" err="1" smtClean="0"/>
-              <a:t>cif</a:t>
-            </a:r>
-            <a:r>
-              <a:rPr lang="en-US" dirty="0" smtClean="0"/>
-              <a:t> file</a:t>
+              <a:t>This will save you a lot of time if (as sometimes happens) PDF gets stuck and has to be restarted.</a:t>
             </a:r>
           </a:p>
           <a:p>
@@ -13686,97 +13972,16 @@
             </a:pPr>
             <a:r>
               <a:rPr lang="en-US" dirty="0" smtClean="0"/>
-              <a:t>Phases -&gt; browse for the </a:t>
+              <a:t>Remember “</a:t>
             </a:r>
             <a:r>
               <a:rPr lang="en-US" dirty="0" err="1" smtClean="0"/>
-              <a:t>cif</a:t>
+              <a:t>ctl</a:t>
             </a:r>
             <a:r>
               <a:rPr lang="en-US" dirty="0" smtClean="0"/>
-              <a:t> file</a:t>
-            </a:r>
-          </a:p>
-          <a:p>
-            <a:pPr marL="514350" indent="-514350">
-              <a:buFont typeface="+mj-lt"/>
-              <a:buAutoNum type="arabicPeriod"/>
-            </a:pPr>
-            <a:r>
-              <a:rPr lang="en-US" dirty="0" smtClean="0"/>
-              <a:t>If you don’t have a </a:t>
-            </a:r>
-            <a:r>
-              <a:rPr lang="en-US" dirty="0" err="1" smtClean="0"/>
-              <a:t>cif</a:t>
-            </a:r>
-            <a:r>
-              <a:rPr lang="en-US" dirty="0" smtClean="0"/>
-              <a:t> yet</a:t>
-            </a:r>
-          </a:p>
-          <a:p>
-            <a:pPr marL="914400" lvl="1" indent="-514350">
-              <a:buFont typeface="+mj-lt"/>
-              <a:buAutoNum type="arabicPeriod"/>
-            </a:pPr>
-            <a:r>
-              <a:rPr lang="en-US" dirty="0" smtClean="0"/>
-              <a:t>Pdfitc.org -&gt; </a:t>
-            </a:r>
-            <a:r>
-              <a:rPr lang="en-US" dirty="0" err="1" smtClean="0"/>
-              <a:t>structuremining</a:t>
-            </a:r>
-            <a:endParaRPr lang="en-US" dirty="0" smtClean="0"/>
-          </a:p>
-          <a:p>
-            <a:pPr marL="1314450" lvl="2" indent="-514350">
-              <a:buFont typeface="+mj-lt"/>
-              <a:buAutoNum type="arabicPeriod"/>
-            </a:pPr>
-            <a:r>
-              <a:rPr lang="en-US" dirty="0" smtClean="0"/>
-              <a:t>Upload the pdf file and give as much info as you have about composition</a:t>
-            </a:r>
-          </a:p>
-          <a:p>
-            <a:pPr marL="1314450" lvl="2" indent="-514350">
-              <a:buFont typeface="+mj-lt"/>
-              <a:buAutoNum type="arabicPeriod"/>
-            </a:pPr>
-            <a:r>
-              <a:rPr lang="en-US" dirty="0" smtClean="0"/>
-              <a:t>Download your preferred result and extract the files</a:t>
-            </a:r>
-          </a:p>
-          <a:p>
-            <a:pPr marL="1314450" lvl="2" indent="-514350">
-              <a:buFont typeface="+mj-lt"/>
-              <a:buAutoNum type="arabicPeriod"/>
-            </a:pPr>
-            <a:r>
-              <a:rPr lang="en-US" dirty="0" smtClean="0"/>
-              <a:t>In </a:t>
-            </a:r>
-            <a:r>
-              <a:rPr lang="en-US" dirty="0" err="1" smtClean="0"/>
-              <a:t>pdfgui</a:t>
-            </a:r>
-            <a:r>
-              <a:rPr lang="en-US" dirty="0" smtClean="0"/>
-              <a:t>, browse for the </a:t>
-            </a:r>
-            <a:r>
-              <a:rPr lang="en-US" dirty="0" err="1" smtClean="0"/>
-              <a:t>cif</a:t>
-            </a:r>
-            <a:r>
-              <a:rPr lang="en-US" dirty="0" smtClean="0"/>
-              <a:t> file and select it</a:t>
-            </a:r>
-          </a:p>
-          <a:p>
+              <a:t>-s”</a:t>
+            </a:r>
             <a:endParaRPr lang="en-US" dirty="0"/>
           </a:p>
         </p:txBody>
@@ -13784,13 +13989,20 @@
     </p:spTree>
     <p:extLst>
       <p:ext uri="{BB962C8B-B14F-4D97-AF65-F5344CB8AC3E}">
-        <p14:creationId xmlns:p14="http://schemas.microsoft.com/office/powerpoint/2010/main" val="3657766682"/>
+        <p14:creationId xmlns:p14="http://schemas.microsoft.com/office/powerpoint/2010/main" val="4172581047"/>
       </p:ext>
     </p:extLst>
   </p:cSld>
   <p:clrMapOvr>
     <a:masterClrMapping/>
   </p:clrMapOvr>
+  <p:timing>
+    <p:tnLst>
+      <p:par>
+        <p:cTn id="1" dur="indefinite" restart="never" nodeType="tmRoot"/>
+      </p:par>
+    </p:tnLst>
+  </p:timing>
 </p:sld>
 </file>
 
@@ -13828,7 +14040,7 @@
           <a:p>
             <a:r>
               <a:rPr lang="en-US" dirty="0" smtClean="0"/>
-              <a:t>Some suggestions</a:t>
+              <a:t>Workflow</a:t>
             </a:r>
             <a:endParaRPr lang="en-US" dirty="0"/>
           </a:p>
@@ -13844,6 +14056,242 @@
             <p:ph idx="1"/>
           </p:nvPr>
         </p:nvSpPr>
+        <p:spPr/>
+        <p:txBody>
+          <a:bodyPr>
+            <a:normAutofit fontScale="85000" lnSpcReduction="20000"/>
+          </a:bodyPr>
+          <a:lstStyle/>
+          <a:p>
+            <a:pPr marL="514350" indent="-514350">
+              <a:buFont typeface="+mj-lt"/>
+              <a:buAutoNum type="arabicPeriod"/>
+            </a:pPr>
+            <a:r>
+              <a:rPr lang="en-US" dirty="0" smtClean="0"/>
+              <a:t>Fits -&gt; New fit, give it a name if you like</a:t>
+            </a:r>
+          </a:p>
+          <a:p>
+            <a:pPr marL="514350" indent="-514350">
+              <a:buFont typeface="+mj-lt"/>
+              <a:buAutoNum type="arabicPeriod"/>
+            </a:pPr>
+            <a:r>
+              <a:rPr lang="en-US" dirty="0" smtClean="0"/>
+              <a:t>Select the fit</a:t>
+            </a:r>
+          </a:p>
+          <a:p>
+            <a:pPr marL="514350" indent="-514350">
+              <a:buFont typeface="+mj-lt"/>
+              <a:buAutoNum type="arabicPeriod"/>
+            </a:pPr>
+            <a:r>
+              <a:rPr lang="en-US" dirty="0" smtClean="0"/>
+              <a:t>Data -&gt; new data set</a:t>
+            </a:r>
+          </a:p>
+          <a:p>
+            <a:pPr marL="914400" lvl="1" indent="-514350">
+              <a:buFont typeface="+mj-lt"/>
+              <a:buAutoNum type="arabicPeriod"/>
+            </a:pPr>
+            <a:r>
+              <a:rPr lang="en-US" dirty="0" smtClean="0"/>
+              <a:t>Browse for data file</a:t>
+            </a:r>
+          </a:p>
+          <a:p>
+            <a:pPr marL="514350" indent="-514350">
+              <a:buFont typeface="+mj-lt"/>
+              <a:buAutoNum type="arabicPeriod"/>
+            </a:pPr>
+            <a:r>
+              <a:rPr lang="en-US" dirty="0" smtClean="0"/>
+              <a:t>If you have a </a:t>
+            </a:r>
+            <a:r>
+              <a:rPr lang="en-US" dirty="0" err="1" smtClean="0"/>
+              <a:t>cif</a:t>
+            </a:r>
+            <a:r>
+              <a:rPr lang="en-US" dirty="0" smtClean="0"/>
+              <a:t> file</a:t>
+            </a:r>
+          </a:p>
+          <a:p>
+            <a:pPr marL="914400" lvl="1" indent="-514350">
+              <a:buFont typeface="+mj-lt"/>
+              <a:buAutoNum type="arabicPeriod"/>
+            </a:pPr>
+            <a:r>
+              <a:rPr lang="en-US" dirty="0" smtClean="0"/>
+              <a:t>Phases -&gt; browse for the </a:t>
+            </a:r>
+            <a:r>
+              <a:rPr lang="en-US" dirty="0" err="1" smtClean="0"/>
+              <a:t>cif</a:t>
+            </a:r>
+            <a:r>
+              <a:rPr lang="en-US" dirty="0" smtClean="0"/>
+              <a:t> file</a:t>
+            </a:r>
+          </a:p>
+          <a:p>
+            <a:pPr marL="514350" indent="-514350">
+              <a:buFont typeface="+mj-lt"/>
+              <a:buAutoNum type="arabicPeriod"/>
+            </a:pPr>
+            <a:r>
+              <a:rPr lang="en-US" dirty="0" smtClean="0"/>
+              <a:t>If you don’t have a </a:t>
+            </a:r>
+            <a:r>
+              <a:rPr lang="en-US" dirty="0" err="1" smtClean="0"/>
+              <a:t>cif</a:t>
+            </a:r>
+            <a:r>
+              <a:rPr lang="en-US" dirty="0" smtClean="0"/>
+              <a:t> yet</a:t>
+            </a:r>
+          </a:p>
+          <a:p>
+            <a:pPr marL="914400" lvl="1" indent="-514350">
+              <a:buFont typeface="+mj-lt"/>
+              <a:buAutoNum type="arabicPeriod"/>
+            </a:pPr>
+            <a:r>
+              <a:rPr lang="en-US" dirty="0" smtClean="0"/>
+              <a:t>Pdfitc.org -&gt; </a:t>
+            </a:r>
+            <a:r>
+              <a:rPr lang="en-US" dirty="0" err="1" smtClean="0"/>
+              <a:t>structuremining</a:t>
+            </a:r>
+            <a:endParaRPr lang="en-US" dirty="0" smtClean="0"/>
+          </a:p>
+          <a:p>
+            <a:pPr marL="1314450" lvl="2" indent="-514350">
+              <a:buFont typeface="+mj-lt"/>
+              <a:buAutoNum type="arabicPeriod"/>
+            </a:pPr>
+            <a:r>
+              <a:rPr lang="en-US" dirty="0" smtClean="0"/>
+              <a:t>Upload the pdf file and give as much info as you have about composition</a:t>
+            </a:r>
+          </a:p>
+          <a:p>
+            <a:pPr marL="1314450" lvl="2" indent="-514350">
+              <a:buFont typeface="+mj-lt"/>
+              <a:buAutoNum type="arabicPeriod"/>
+            </a:pPr>
+            <a:r>
+              <a:rPr lang="en-US" dirty="0" smtClean="0"/>
+              <a:t>Download your preferred result and extract the files</a:t>
+            </a:r>
+          </a:p>
+          <a:p>
+            <a:pPr marL="1314450" lvl="2" indent="-514350">
+              <a:buFont typeface="+mj-lt"/>
+              <a:buAutoNum type="arabicPeriod"/>
+            </a:pPr>
+            <a:r>
+              <a:rPr lang="en-US" dirty="0" smtClean="0"/>
+              <a:t>In </a:t>
+            </a:r>
+            <a:r>
+              <a:rPr lang="en-US" dirty="0" err="1" smtClean="0"/>
+              <a:t>pdfgui</a:t>
+            </a:r>
+            <a:r>
+              <a:rPr lang="en-US" dirty="0" smtClean="0"/>
+              <a:t>, browse for the </a:t>
+            </a:r>
+            <a:r>
+              <a:rPr lang="en-US" dirty="0" err="1" smtClean="0"/>
+              <a:t>cif</a:t>
+            </a:r>
+            <a:r>
+              <a:rPr lang="en-US" dirty="0" smtClean="0"/>
+              <a:t> file and select it</a:t>
+            </a:r>
+          </a:p>
+          <a:p>
+            <a:endParaRPr lang="en-US" dirty="0"/>
+          </a:p>
+        </p:txBody>
+      </p:sp>
+    </p:spTree>
+    <p:extLst>
+      <p:ext uri="{BB962C8B-B14F-4D97-AF65-F5344CB8AC3E}">
+        <p14:creationId xmlns:p14="http://schemas.microsoft.com/office/powerpoint/2010/main" val="3657766682"/>
+      </p:ext>
+    </p:extLst>
+  </p:cSld>
+  <p:clrMapOvr>
+    <a:masterClrMapping/>
+  </p:clrMapOvr>
+  <p:timing>
+    <p:tnLst>
+      <p:par>
+        <p:cTn id="1" dur="indefinite" restart="never" nodeType="tmRoot"/>
+      </p:par>
+    </p:tnLst>
+  </p:timing>
+</p:sld>
+</file>
+
+<file path=ppt/slides/slide8.xml><?xml version="1.0" encoding="utf-8"?>
+<p:sld xmlns:a="http://schemas.openxmlformats.org/drawingml/2006/main" xmlns:r="http://schemas.openxmlformats.org/officeDocument/2006/relationships" xmlns:p="http://schemas.openxmlformats.org/presentationml/2006/main">
+  <p:cSld>
+    <p:spTree>
+      <p:nvGrpSpPr>
+        <p:cNvPr id="1" name=""/>
+        <p:cNvGrpSpPr/>
+        <p:nvPr/>
+      </p:nvGrpSpPr>
+      <p:grpSpPr>
+        <a:xfrm>
+          <a:off x="0" y="0"/>
+          <a:ext cx="0" cy="0"/>
+          <a:chOff x="0" y="0"/>
+          <a:chExt cx="0" cy="0"/>
+        </a:xfrm>
+      </p:grpSpPr>
+      <p:sp>
+        <p:nvSpPr>
+          <p:cNvPr id="2" name="Title 1"/>
+          <p:cNvSpPr>
+            <a:spLocks noGrp="1"/>
+          </p:cNvSpPr>
+          <p:nvPr>
+            <p:ph type="title"/>
+          </p:nvPr>
+        </p:nvSpPr>
+        <p:spPr/>
+        <p:txBody>
+          <a:bodyPr/>
+          <a:lstStyle/>
+          <a:p>
+            <a:r>
+              <a:rPr lang="en-US" dirty="0" smtClean="0"/>
+              <a:t>Some suggestions</a:t>
+            </a:r>
+            <a:endParaRPr lang="en-US" dirty="0"/>
+          </a:p>
+        </p:txBody>
+      </p:sp>
+      <p:sp>
+        <p:nvSpPr>
+          <p:cNvPr id="3" name="Content Placeholder 2"/>
+          <p:cNvSpPr>
+            <a:spLocks noGrp="1"/>
+          </p:cNvSpPr>
+          <p:nvPr>
+            <p:ph idx="1"/>
+          </p:nvPr>
+        </p:nvSpPr>
         <p:spPr>
           <a:xfrm>
             <a:off x="457200" y="1295400"/>
@@ -13892,10 +14340,17 @@
           <a:p>
             <a:pPr lvl="1"/>
             <a:r>
-              <a:rPr lang="en-US" smtClean="0"/>
-              <a:t>SAVE YOUR PROJECT FREQUENTLY!</a:t>
-            </a:r>
-            <a:endParaRPr lang="en-US" dirty="0" smtClean="0"/>
+              <a:rPr lang="en-US" dirty="0" smtClean="0"/>
+              <a:t>SAVE YOUR PROJECT FREQUENTLY (</a:t>
+            </a:r>
+            <a:r>
+              <a:rPr lang="en-US" dirty="0" err="1" smtClean="0"/>
+              <a:t>ctl</a:t>
+            </a:r>
+            <a:r>
+              <a:rPr lang="en-US" dirty="0" smtClean="0"/>
+              <a:t>-s)</a:t>
+            </a:r>
           </a:p>
           <a:p>
             <a:pPr lvl="1"/>
@@ -13913,10 +14368,247 @@
   <p:clrMapOvr>
     <a:masterClrMapping/>
   </p:clrMapOvr>
+  <p:timing>
+    <p:tnLst>
+      <p:par>
+        <p:cTn id="1" dur="indefinite" restart="never" nodeType="tmRoot">
+          <p:childTnLst>
+            <p:seq concurrent="1" nextAc="seek">
+              <p:cTn id="2" dur="indefinite" nodeType="mainSeq">
+                <p:childTnLst>
+                  <p:par>
+                    <p:cTn id="3" fill="hold">
+                      <p:stCondLst>
+                        <p:cond delay="indefinite"/>
+                      </p:stCondLst>
+                      <p:childTnLst>
+                        <p:par>
+                          <p:cTn id="4" fill="hold">
+                            <p:stCondLst>
+                              <p:cond delay="0"/>
+                            </p:stCondLst>
+                            <p:childTnLst>
+                              <p:par>
+                                <p:cTn id="5" presetID="1" presetClass="entr" presetSubtype="0" fill="hold" grpId="0" nodeType="clickEffect">
+                                  <p:stCondLst>
+                                    <p:cond delay="0"/>
+                                  </p:stCondLst>
+                                  <p:childTnLst>
+                                    <p:set>
+                                      <p:cBhvr>
+                                        <p:cTn id="6" dur="1" fill="hold">
+                                          <p:stCondLst>
+                                            <p:cond delay="0"/>
+                                          </p:stCondLst>
+                                        </p:cTn>
+                                        <p:tgtEl>
+                                          <p:spTgt spid="3">
+                                            <p:txEl>
+                                              <p:pRg st="0" end="0"/>
+                                            </p:txEl>
+                                          </p:spTgt>
+                                        </p:tgtEl>
+                                        <p:attrNameLst>
+                                          <p:attrName>style.visibility</p:attrName>
+                                        </p:attrNameLst>
+                                      </p:cBhvr>
+                                      <p:to>
+                                        <p:strVal val="visible"/>
+                                      </p:to>
+                                    </p:set>
+                                  </p:childTnLst>
+                                </p:cTn>
+                              </p:par>
+                              <p:par>
+                                <p:cTn id="7" presetID="1" presetClass="entr" presetSubtype="0" fill="hold" grpId="0" nodeType="withEffect">
+                                  <p:stCondLst>
+                                    <p:cond delay="0"/>
+                                  </p:stCondLst>
+                                  <p:childTnLst>
+                                    <p:set>
+                                      <p:cBhvr>
+                                        <p:cTn id="8" dur="1" fill="hold">
+                                          <p:stCondLst>
+                                            <p:cond delay="0"/>
+                                          </p:stCondLst>
+                                        </p:cTn>
+                                        <p:tgtEl>
+                                          <p:spTgt spid="3">
+                                            <p:txEl>
+                                              <p:pRg st="1" end="1"/>
+                                            </p:txEl>
+                                          </p:spTgt>
+                                        </p:tgtEl>
+                                        <p:attrNameLst>
+                                          <p:attrName>style.visibility</p:attrName>
+                                        </p:attrNameLst>
+                                      </p:cBhvr>
+                                      <p:to>
+                                        <p:strVal val="visible"/>
+                                      </p:to>
+                                    </p:set>
+                                  </p:childTnLst>
+                                </p:cTn>
+                              </p:par>
+                              <p:par>
+                                <p:cTn id="9" presetID="1" presetClass="entr" presetSubtype="0" fill="hold" grpId="0" nodeType="withEffect">
+                                  <p:stCondLst>
+                                    <p:cond delay="0"/>
+                                  </p:stCondLst>
+                                  <p:childTnLst>
+                                    <p:set>
+                                      <p:cBhvr>
+                                        <p:cTn id="10" dur="1" fill="hold">
+                                          <p:stCondLst>
+                                            <p:cond delay="0"/>
+                                          </p:stCondLst>
+                                        </p:cTn>
+                                        <p:tgtEl>
+                                          <p:spTgt spid="3">
+                                            <p:txEl>
+                                              <p:pRg st="2" end="2"/>
+                                            </p:txEl>
+                                          </p:spTgt>
+                                        </p:tgtEl>
+                                        <p:attrNameLst>
+                                          <p:attrName>style.visibility</p:attrName>
+                                        </p:attrNameLst>
+                                      </p:cBhvr>
+                                      <p:to>
+                                        <p:strVal val="visible"/>
+                                      </p:to>
+                                    </p:set>
+                                  </p:childTnLst>
+                                </p:cTn>
+                              </p:par>
+                              <p:par>
+                                <p:cTn id="11" presetID="1" presetClass="entr" presetSubtype="0" fill="hold" grpId="0" nodeType="withEffect">
+                                  <p:stCondLst>
+                                    <p:cond delay="0"/>
+                                  </p:stCondLst>
+                                  <p:childTnLst>
+                                    <p:set>
+                                      <p:cBhvr>
+                                        <p:cTn id="12" dur="1" fill="hold">
+                                          <p:stCondLst>
+                                            <p:cond delay="0"/>
+                                          </p:stCondLst>
+                                        </p:cTn>
+                                        <p:tgtEl>
+                                          <p:spTgt spid="3">
+                                            <p:txEl>
+                                              <p:pRg st="3" end="3"/>
+                                            </p:txEl>
+                                          </p:spTgt>
+                                        </p:tgtEl>
+                                        <p:attrNameLst>
+                                          <p:attrName>style.visibility</p:attrName>
+                                        </p:attrNameLst>
+                                      </p:cBhvr>
+                                      <p:to>
+                                        <p:strVal val="visible"/>
+                                      </p:to>
+                                    </p:set>
+                                  </p:childTnLst>
+                                </p:cTn>
+                              </p:par>
+                              <p:par>
+                                <p:cTn id="13" presetID="1" presetClass="entr" presetSubtype="0" fill="hold" grpId="0" nodeType="withEffect">
+                                  <p:stCondLst>
+                                    <p:cond delay="0"/>
+                                  </p:stCondLst>
+                                  <p:childTnLst>
+                                    <p:set>
+                                      <p:cBhvr>
+                                        <p:cTn id="14" dur="1" fill="hold">
+                                          <p:stCondLst>
+                                            <p:cond delay="0"/>
+                                          </p:stCondLst>
+                                        </p:cTn>
+                                        <p:tgtEl>
+                                          <p:spTgt spid="3">
+                                            <p:txEl>
+                                              <p:pRg st="4" end="4"/>
+                                            </p:txEl>
+                                          </p:spTgt>
+                                        </p:tgtEl>
+                                        <p:attrNameLst>
+                                          <p:attrName>style.visibility</p:attrName>
+                                        </p:attrNameLst>
+                                      </p:cBhvr>
+                                      <p:to>
+                                        <p:strVal val="visible"/>
+                                      </p:to>
+                                    </p:set>
+                                  </p:childTnLst>
+                                </p:cTn>
+                              </p:par>
+                              <p:par>
+                                <p:cTn id="15" presetID="1" presetClass="entr" presetSubtype="0" fill="hold" grpId="0" nodeType="withEffect">
+                                  <p:stCondLst>
+                                    <p:cond delay="0"/>
+                                  </p:stCondLst>
+                                  <p:childTnLst>
+                                    <p:set>
+                                      <p:cBhvr>
+                                        <p:cTn id="16" dur="1" fill="hold">
+                                          <p:stCondLst>
+                                            <p:cond delay="0"/>
+                                          </p:stCondLst>
+                                        </p:cTn>
+                                        <p:tgtEl>
+                                          <p:spTgt spid="3">
+                                            <p:txEl>
+                                              <p:pRg st="5" end="5"/>
+                                            </p:txEl>
+                                          </p:spTgt>
+                                        </p:tgtEl>
+                                        <p:attrNameLst>
+                                          <p:attrName>style.visibility</p:attrName>
+                                        </p:attrNameLst>
+                                      </p:cBhvr>
+                                      <p:to>
+                                        <p:strVal val="visible"/>
+                                      </p:to>
+                                    </p:set>
+                                  </p:childTnLst>
+                                </p:cTn>
+                              </p:par>
+                            </p:childTnLst>
+                          </p:cTn>
+                        </p:par>
+                      </p:childTnLst>
+                    </p:cTn>
+                  </p:par>
+                </p:childTnLst>
+              </p:cTn>
+              <p:prevCondLst>
+                <p:cond evt="onPrev" delay="0">
+                  <p:tgtEl>
+                    <p:sldTgt/>
+                  </p:tgtEl>
+                </p:cond>
+              </p:prevCondLst>
+              <p:nextCondLst>
+                <p:cond evt="onNext" delay="0">
+                  <p:tgtEl>
+                    <p:sldTgt/>
+                  </p:tgtEl>
+                </p:cond>
+              </p:nextCondLst>
+            </p:seq>
+          </p:childTnLst>
+        </p:cTn>
+      </p:par>
+    </p:tnLst>
+    <p:bldLst>
+      <p:bldP spid="3" grpId="0" build="p"/>
+    </p:bldLst>
+  </p:timing>
 </p:sld>
 </file>
 
-<file path=ppt/slides/slide8.xml><?xml version="1.0" encoding="utf-8"?>
+<file path=ppt/slides/slide9.xml><?xml version="1.0" encoding="utf-8"?>
 <p:sld xmlns:a="http://schemas.openxmlformats.org/drawingml/2006/main" xmlns:r="http://schemas.openxmlformats.org/officeDocument/2006/relationships" xmlns:p="http://schemas.openxmlformats.org/presentationml/2006/main">
   <p:cSld>
     <p:spTree>
@@ -14529,235 +15221,6 @@
             </p:seq>
           </p:childTnLst>
         </p:cTn>
-      </p:par>
-    </p:tnLst>
-  </p:timing>
-</p:sld>
-</file>
-
-<file path=ppt/slides/slide9.xml><?xml version="1.0" encoding="utf-8"?>
-<p:sld xmlns:a="http://schemas.openxmlformats.org/drawingml/2006/main" xmlns:r="http://schemas.openxmlformats.org/officeDocument/2006/relationships" xmlns:p="http://schemas.openxmlformats.org/presentationml/2006/main">
-  <p:cSld>
-    <p:spTree>
-      <p:nvGrpSpPr>
-        <p:cNvPr id="1" name=""/>
-        <p:cNvGrpSpPr/>
-        <p:nvPr/>
-      </p:nvGrpSpPr>
-      <p:grpSpPr>
-        <a:xfrm>
-          <a:off x="0" y="0"/>
-          <a:ext cx="0" cy="0"/>
-          <a:chOff x="0" y="0"/>
-          <a:chExt cx="0" cy="0"/>
-        </a:xfrm>
-      </p:grpSpPr>
-      <p:sp>
-        <p:nvSpPr>
-          <p:cNvPr id="7" name="Title 1"/>
-          <p:cNvSpPr txBox="1">
-            <a:spLocks/>
-          </p:cNvSpPr>
-          <p:nvPr/>
-        </p:nvSpPr>
-        <p:spPr>
-          <a:xfrm>
-            <a:off x="0" y="1"/>
-            <a:ext cx="9144000" cy="838199"/>
-          </a:xfrm>
-          <a:prstGeom prst="rect">
-            <a:avLst/>
-          </a:prstGeom>
-          <a:solidFill>
-            <a:schemeClr val="tx2">
-              <a:lumMod val="50000"/>
-            </a:schemeClr>
-          </a:solidFill>
-        </p:spPr>
-        <p:txBody>
-          <a:bodyPr vert="horz" lIns="91440" tIns="45720" rIns="91440" bIns="45720" rtlCol="0" anchor="ctr">
-            <a:noAutofit/>
-          </a:bodyPr>
-          <a:lstStyle/>
-          <a:p>
-            <a:pPr algn="ctr">
-              <a:spcBef>
-                <a:spcPct val="0"/>
-              </a:spcBef>
-            </a:pPr>
-            <a:r>
-              <a:rPr lang="en-US" sz="2800" b="1" dirty="0" smtClean="0">
-                <a:solidFill>
-                  <a:schemeClr val="bg1"/>
-                </a:solidFill>
-                <a:latin typeface="Times New Roman" pitchFamily="18" charset="0"/>
-                <a:ea typeface="+mj-ea"/>
-                <a:cs typeface="Times New Roman" pitchFamily="18" charset="0"/>
-              </a:rPr>
-              <a:t>Creating a simple fit using a preexisting structure file</a:t>
-            </a:r>
-            <a:endParaRPr lang="en-US" sz="2400" b="1" dirty="0" smtClean="0">
-              <a:solidFill>
-                <a:schemeClr val="bg1"/>
-              </a:solidFill>
-              <a:latin typeface="Times New Roman" pitchFamily="18" charset="0"/>
-              <a:ea typeface="+mj-ea"/>
-              <a:cs typeface="Times New Roman" pitchFamily="18" charset="0"/>
-            </a:endParaRPr>
-          </a:p>
-        </p:txBody>
-      </p:sp>
-      <p:pic>
-        <p:nvPicPr>
-          <p:cNvPr id="8" name="Picture 7" descr="fig2-02.png"/>
-          <p:cNvPicPr>
-            <a:picLocks noChangeAspect="1"/>
-          </p:cNvPicPr>
-          <p:nvPr/>
-        </p:nvPicPr>
-        <p:blipFill>
-          <a:blip r:embed="rId2" cstate="print"/>
-          <a:stretch>
-            <a:fillRect/>
-          </a:stretch>
-        </p:blipFill>
-        <p:spPr>
-          <a:xfrm>
-            <a:off x="1531620" y="1135380"/>
-            <a:ext cx="6080760" cy="5570220"/>
-          </a:xfrm>
-          <a:prstGeom prst="rect">
-            <a:avLst/>
-          </a:prstGeom>
-        </p:spPr>
-      </p:pic>
-      <p:sp>
-        <p:nvSpPr>
-          <p:cNvPr id="4" name="Rectangle 3"/>
-          <p:cNvSpPr txBox="1">
-            <a:spLocks noChangeArrowheads="1"/>
-          </p:cNvSpPr>
-          <p:nvPr/>
-        </p:nvSpPr>
-        <p:spPr bwMode="auto">
-          <a:xfrm>
-            <a:off x="0" y="762000"/>
-            <a:ext cx="9144000" cy="304800"/>
-          </a:xfrm>
-          <a:prstGeom prst="rect">
-            <a:avLst/>
-          </a:prstGeom>
-          <a:noFill/>
-          <a:ln w="9525">
-            <a:noFill/>
-            <a:miter lim="800000"/>
-            <a:headEnd/>
-            <a:tailEnd/>
-          </a:ln>
-          <a:effectLst/>
-        </p:spPr>
-        <p:txBody>
-          <a:bodyPr vert="horz" wrap="square" lIns="90000" tIns="46800" rIns="90000" bIns="46800" numCol="1" anchor="t" anchorCtr="0" compatLnSpc="1">
-            <a:prstTxWarp prst="textNoShape">
-              <a:avLst/>
-            </a:prstTxWarp>
-          </a:bodyPr>
-          <a:lstStyle/>
-          <a:p>
-            <a:pPr marL="223838" lvl="0" indent="-223838" algn="ctr" defTabSz="457200" fontAlgn="base">
-              <a:spcBef>
-                <a:spcPct val="10000"/>
-              </a:spcBef>
-              <a:spcAft>
-                <a:spcPct val="0"/>
-              </a:spcAft>
-              <a:buClr>
-                <a:schemeClr val="tx2">
-                  <a:lumMod val="50000"/>
-                </a:schemeClr>
-              </a:buClr>
-              <a:buSzPct val="75000"/>
-              <a:tabLst>
-                <a:tab pos="911225" algn="l"/>
-                <a:tab pos="1825625" algn="l"/>
-                <a:tab pos="2740025" algn="l"/>
-                <a:tab pos="3654425" algn="l"/>
-                <a:tab pos="4568825" algn="l"/>
-                <a:tab pos="5483225" algn="l"/>
-                <a:tab pos="6397625" algn="l"/>
-                <a:tab pos="7312025" algn="l"/>
-                <a:tab pos="8226425" algn="l"/>
-                <a:tab pos="9140825" algn="l"/>
-                <a:tab pos="10055225" algn="l"/>
-              </a:tabLst>
-            </a:pPr>
-            <a:r>
-              <a:rPr lang="en-US" sz="2000" kern="0" dirty="0" smtClean="0">
-                <a:solidFill>
-                  <a:schemeClr val="tx2">
-                    <a:lumMod val="50000"/>
-                  </a:schemeClr>
-                </a:solidFill>
-                <a:latin typeface="Times New Roman" pitchFamily="18" charset="0"/>
-                <a:ea typeface="宋体" pitchFamily="2" charset="-122"/>
-                <a:cs typeface="Times New Roman" pitchFamily="18" charset="0"/>
-              </a:rPr>
-              <a:t>Appearance of a </a:t>
-            </a:r>
-            <a:r>
-              <a:rPr lang="en-US" sz="2000" kern="0" dirty="0" err="1" smtClean="0">
-                <a:solidFill>
-                  <a:schemeClr val="tx2">
-                    <a:lumMod val="50000"/>
-                  </a:schemeClr>
-                </a:solidFill>
-                <a:latin typeface="Times New Roman" pitchFamily="18" charset="0"/>
-                <a:ea typeface="宋体" pitchFamily="2" charset="-122"/>
-                <a:cs typeface="Times New Roman" pitchFamily="18" charset="0"/>
-              </a:rPr>
-              <a:t>PDFgui</a:t>
-            </a:r>
-            <a:r>
-              <a:rPr lang="en-US" sz="2000" kern="0" dirty="0" smtClean="0">
-                <a:solidFill>
-                  <a:schemeClr val="tx2">
-                    <a:lumMod val="50000"/>
-                  </a:schemeClr>
-                </a:solidFill>
-                <a:latin typeface="Times New Roman" pitchFamily="18" charset="0"/>
-                <a:ea typeface="宋体" pitchFamily="2" charset="-122"/>
-                <a:cs typeface="Times New Roman" pitchFamily="18" charset="0"/>
-              </a:rPr>
-              <a:t> window after a PDF dataset is loaded.</a:t>
-            </a:r>
-            <a:endParaRPr kumimoji="0" lang="en-GB" sz="2000" b="0" i="0" u="none" strike="noStrike" kern="0" cap="none" spc="0" normalizeH="0" baseline="0" noProof="0" dirty="0" smtClean="0">
-              <a:ln>
-                <a:noFill/>
-              </a:ln>
-              <a:solidFill>
-                <a:schemeClr val="tx2">
-                  <a:lumMod val="50000"/>
-                </a:schemeClr>
-              </a:solidFill>
-              <a:effectLst/>
-              <a:uLnTx/>
-              <a:uFillTx/>
-              <a:latin typeface="Times New Roman" pitchFamily="18" charset="0"/>
-              <a:ea typeface="宋体" pitchFamily="2" charset="-122"/>
-              <a:cs typeface="Times New Roman" pitchFamily="18" charset="0"/>
-            </a:endParaRPr>
-          </a:p>
-        </p:txBody>
-      </p:sp>
-    </p:spTree>
-  </p:cSld>
-  <p:clrMapOvr>
-    <a:masterClrMapping/>
-  </p:clrMapOvr>
-  <p:timing>
-    <p:tnLst>
-      <p:par>
-        <p:cTn id="1" dur="indefinite" restart="never" nodeType="tmRoot"/>
       </p:par>
     </p:tnLst>
   </p:timing>
